--- a/slides/KeyStone Intro to IPC.pptx
+++ b/slides/KeyStone Intro to IPC.pptx
@@ -5,10 +5,10 @@
     <p:sldMasterId id="2147484452" r:id="rId5"/>
   </p:sldMasterIdLst>
   <p:notesMasterIdLst>
-    <p:notesMasterId r:id="rId43"/>
+    <p:notesMasterId r:id="rId45"/>
   </p:notesMasterIdLst>
   <p:handoutMasterIdLst>
-    <p:handoutMasterId r:id="rId44"/>
+    <p:handoutMasterId r:id="rId46"/>
   </p:handoutMasterIdLst>
   <p:sldIdLst>
     <p:sldId id="830" r:id="rId6"/>
@@ -46,13 +46,15 @@
     <p:sldId id="862" r:id="rId38"/>
     <p:sldId id="863" r:id="rId39"/>
     <p:sldId id="864" r:id="rId40"/>
-    <p:sldId id="875" r:id="rId41"/>
-    <p:sldId id="866" r:id="rId42"/>
+    <p:sldId id="876" r:id="rId41"/>
+    <p:sldId id="878" r:id="rId42"/>
+    <p:sldId id="875" r:id="rId43"/>
+    <p:sldId id="866" r:id="rId44"/>
   </p:sldIdLst>
   <p:sldSz cx="9144000" cy="6858000" type="screen4x3"/>
   <p:notesSz cx="7010400" cy="9296400"/>
   <p:custDataLst>
-    <p:tags r:id="rId45"/>
+    <p:tags r:id="rId47"/>
   </p:custDataLst>
   <p:defaultTextStyle>
     <a:defPPr>
@@ -299,7 +301,7 @@
               <a:pPr>
                 <a:defRPr/>
               </a:pPr>
-              <a:t>8/2/2012</a:t>
+              <a:t>9/14/2012</a:t>
             </a:fld>
             <a:endParaRPr lang="en-US"/>
           </a:p>
@@ -1126,10 +1128,15 @@
           <a:bodyPr/>
           <a:lstStyle/>
           <a:p>
-            <a:fld id="{7B8B1DFA-B3AC-48C4-A020-6903E38D181E}" type="slidenum">
+            <a:pPr>
+              <a:defRPr/>
+            </a:pPr>
+            <a:fld id="{9AF68C97-DBEA-40B2-91B6-F690EAC6BBD6}" type="slidenum">
               <a:rPr lang="en-US" smtClean="0"/>
-              <a:pPr/>
-              <a:t>13</a:t>
+              <a:pPr>
+                <a:defRPr/>
+              </a:pPr>
+              <a:t>11</a:t>
             </a:fld>
             <a:endParaRPr lang="en-US"/>
           </a:p>
@@ -1162,21 +1169,19 @@
       </p:grpSpPr>
       <p:sp>
         <p:nvSpPr>
-          <p:cNvPr id="116738" name="Slide Image Placeholder 1"/>
+          <p:cNvPr id="2" name="Slide Image Placeholder 1"/>
           <p:cNvSpPr>
-            <a:spLocks noGrp="1" noRot="1" noChangeAspect="1" noTextEdit="1"/>
+            <a:spLocks noGrp="1" noRot="1" noChangeAspect="1"/>
           </p:cNvSpPr>
           <p:nvPr>
             <p:ph type="sldImg"/>
           </p:nvPr>
         </p:nvSpPr>
-        <p:spPr>
-          <a:ln/>
-        </p:spPr>
-      </p:sp>
-      <p:sp>
-        <p:nvSpPr>
-          <p:cNvPr id="116739" name="Notes Placeholder 2"/>
+        <p:spPr/>
+      </p:sp>
+      <p:sp>
+        <p:nvSpPr>
+          <p:cNvPr id="3" name="Notes Placeholder 2"/>
           <p:cNvSpPr>
             <a:spLocks noGrp="1"/>
           </p:cNvSpPr>
@@ -1184,62 +1189,43 @@
             <p:ph type="body" idx="1"/>
           </p:nvPr>
         </p:nvSpPr>
-        <p:spPr>
-          <a:noFill/>
-          <a:ln/>
-        </p:spPr>
+        <p:spPr/>
         <p:txBody>
-          <a:bodyPr/>
+          <a:bodyPr>
+            <a:normAutofit/>
+          </a:bodyPr>
           <a:lstStyle/>
           <a:p>
-            <a:r>
-              <a:rPr lang="en-US" dirty="0" smtClean="0">
-                <a:latin typeface="Arial" pitchFamily="34" charset="0"/>
-              </a:rPr>
-              <a:t>NEW</a:t>
-            </a:r>
-          </a:p>
-          <a:p>
-            <a:endParaRPr lang="en-US" dirty="0" smtClean="0">
-              <a:latin typeface="Arial" pitchFamily="34" charset="0"/>
-            </a:endParaRPr>
+            <a:endParaRPr lang="en-US"/>
           </a:p>
         </p:txBody>
       </p:sp>
       <p:sp>
         <p:nvSpPr>
-          <p:cNvPr id="116740" name="Slide Number Placeholder 3"/>
+          <p:cNvPr id="4" name="Slide Number Placeholder 3"/>
           <p:cNvSpPr>
             <a:spLocks noGrp="1"/>
           </p:cNvSpPr>
           <p:nvPr>
-            <p:ph type="sldNum" sz="quarter" idx="5"/>
+            <p:ph type="sldNum" sz="quarter" idx="10"/>
           </p:nvPr>
         </p:nvSpPr>
-        <p:spPr>
-          <a:noFill/>
-        </p:spPr>
+        <p:spPr/>
         <p:txBody>
           <a:bodyPr/>
           <a:lstStyle/>
           <a:p>
-            <a:pPr defTabSz="909638"/>
-            <a:fld id="{A9C92054-1BD5-4B92-94B7-517672C0FAF0}" type="slidenum">
-              <a:rPr lang="en-US" smtClean="0">
-                <a:solidFill>
-                  <a:srgbClr val="000000"/>
-                </a:solidFill>
-                <a:latin typeface="Arial" pitchFamily="34" charset="0"/>
-              </a:rPr>
-              <a:pPr defTabSz="909638"/>
-              <a:t>14</a:t>
+            <a:pPr>
+              <a:defRPr/>
+            </a:pPr>
+            <a:fld id="{9AF68C97-DBEA-40B2-91B6-F690EAC6BBD6}" type="slidenum">
+              <a:rPr lang="en-US" smtClean="0"/>
+              <a:pPr>
+                <a:defRPr/>
+              </a:pPr>
+              <a:t>12</a:t>
             </a:fld>
-            <a:endParaRPr lang="en-US" dirty="0" smtClean="0">
-              <a:solidFill>
-                <a:srgbClr val="000000"/>
-              </a:solidFill>
-              <a:latin typeface="Arial" pitchFamily="34" charset="0"/>
-            </a:endParaRPr>
+            <a:endParaRPr lang="en-US"/>
           </a:p>
         </p:txBody>
       </p:sp>
@@ -1270,21 +1256,19 @@
       </p:grpSpPr>
       <p:sp>
         <p:nvSpPr>
-          <p:cNvPr id="116738" name="Slide Image Placeholder 1"/>
+          <p:cNvPr id="2" name="Slide Image Placeholder 1"/>
           <p:cNvSpPr>
-            <a:spLocks noGrp="1" noRot="1" noChangeAspect="1" noTextEdit="1"/>
+            <a:spLocks noGrp="1" noRot="1" noChangeAspect="1"/>
           </p:cNvSpPr>
           <p:nvPr>
             <p:ph type="sldImg"/>
           </p:nvPr>
         </p:nvSpPr>
-        <p:spPr>
-          <a:ln/>
-        </p:spPr>
-      </p:sp>
-      <p:sp>
-        <p:nvSpPr>
-          <p:cNvPr id="116739" name="Notes Placeholder 2"/>
+        <p:spPr/>
+      </p:sp>
+      <p:sp>
+        <p:nvSpPr>
+          <p:cNvPr id="3" name="Notes Placeholder 2"/>
           <p:cNvSpPr>
             <a:spLocks noGrp="1"/>
           </p:cNvSpPr>
@@ -1292,62 +1276,38 @@
             <p:ph type="body" idx="1"/>
           </p:nvPr>
         </p:nvSpPr>
-        <p:spPr>
-          <a:noFill/>
-          <a:ln/>
-        </p:spPr>
+        <p:spPr/>
         <p:txBody>
-          <a:bodyPr/>
+          <a:bodyPr>
+            <a:normAutofit/>
+          </a:bodyPr>
           <a:lstStyle/>
           <a:p>
-            <a:r>
-              <a:rPr lang="en-US" dirty="0" smtClean="0">
-                <a:latin typeface="Arial" pitchFamily="34" charset="0"/>
-              </a:rPr>
-              <a:t>NEW</a:t>
-            </a:r>
-          </a:p>
-          <a:p>
-            <a:endParaRPr lang="en-US" dirty="0" smtClean="0">
-              <a:latin typeface="Arial" pitchFamily="34" charset="0"/>
-            </a:endParaRPr>
+            <a:endParaRPr lang="en-US"/>
           </a:p>
         </p:txBody>
       </p:sp>
       <p:sp>
         <p:nvSpPr>
-          <p:cNvPr id="116740" name="Slide Number Placeholder 3"/>
+          <p:cNvPr id="4" name="Slide Number Placeholder 3"/>
           <p:cNvSpPr>
             <a:spLocks noGrp="1"/>
           </p:cNvSpPr>
           <p:nvPr>
-            <p:ph type="sldNum" sz="quarter" idx="5"/>
+            <p:ph type="sldNum" sz="quarter" idx="10"/>
           </p:nvPr>
         </p:nvSpPr>
-        <p:spPr>
-          <a:noFill/>
-        </p:spPr>
+        <p:spPr/>
         <p:txBody>
           <a:bodyPr/>
           <a:lstStyle/>
           <a:p>
-            <a:pPr defTabSz="909638"/>
-            <a:fld id="{A9C92054-1BD5-4B92-94B7-517672C0FAF0}" type="slidenum">
-              <a:rPr lang="en-US" smtClean="0">
-                <a:solidFill>
-                  <a:srgbClr val="000000"/>
-                </a:solidFill>
-                <a:latin typeface="Arial" pitchFamily="34" charset="0"/>
-              </a:rPr>
-              <a:pPr defTabSz="909638"/>
-              <a:t>18</a:t>
+            <a:fld id="{7B8B1DFA-B3AC-48C4-A020-6903E38D181E}" type="slidenum">
+              <a:rPr lang="en-US" smtClean="0"/>
+              <a:pPr/>
+              <a:t>13</a:t>
             </a:fld>
-            <a:endParaRPr lang="en-US" dirty="0" smtClean="0">
-              <a:solidFill>
-                <a:srgbClr val="000000"/>
-              </a:solidFill>
-              <a:latin typeface="Arial" pitchFamily="34" charset="0"/>
-            </a:endParaRPr>
+            <a:endParaRPr lang="en-US"/>
           </a:p>
         </p:txBody>
       </p:sp>
@@ -1448,7 +1408,7 @@
                 <a:latin typeface="Arial" pitchFamily="34" charset="0"/>
               </a:rPr>
               <a:pPr defTabSz="909638"/>
-              <a:t>26</a:t>
+              <a:t>14</a:t>
             </a:fld>
             <a:endParaRPr lang="en-US" dirty="0" smtClean="0">
               <a:solidFill>
@@ -1486,21 +1446,19 @@
       </p:grpSpPr>
       <p:sp>
         <p:nvSpPr>
-          <p:cNvPr id="116738" name="Slide Image Placeholder 1"/>
+          <p:cNvPr id="2" name="Slide Image Placeholder 1"/>
           <p:cNvSpPr>
-            <a:spLocks noGrp="1" noRot="1" noChangeAspect="1" noTextEdit="1"/>
+            <a:spLocks noGrp="1" noRot="1" noChangeAspect="1"/>
           </p:cNvSpPr>
           <p:nvPr>
             <p:ph type="sldImg"/>
           </p:nvPr>
         </p:nvSpPr>
-        <p:spPr>
-          <a:ln/>
-        </p:spPr>
-      </p:sp>
-      <p:sp>
-        <p:nvSpPr>
-          <p:cNvPr id="116739" name="Notes Placeholder 2"/>
+        <p:spPr/>
+      </p:sp>
+      <p:sp>
+        <p:nvSpPr>
+          <p:cNvPr id="3" name="Notes Placeholder 2"/>
           <p:cNvSpPr>
             <a:spLocks noGrp="1"/>
           </p:cNvSpPr>
@@ -1508,62 +1466,43 @@
             <p:ph type="body" idx="1"/>
           </p:nvPr>
         </p:nvSpPr>
-        <p:spPr>
-          <a:noFill/>
-          <a:ln/>
-        </p:spPr>
+        <p:spPr/>
         <p:txBody>
-          <a:bodyPr/>
+          <a:bodyPr>
+            <a:normAutofit/>
+          </a:bodyPr>
           <a:lstStyle/>
           <a:p>
-            <a:r>
-              <a:rPr lang="en-US" dirty="0" smtClean="0">
-                <a:latin typeface="Arial" pitchFamily="34" charset="0"/>
-              </a:rPr>
-              <a:t>NEW</a:t>
-            </a:r>
-          </a:p>
-          <a:p>
-            <a:endParaRPr lang="en-US" dirty="0" smtClean="0">
-              <a:latin typeface="Arial" pitchFamily="34" charset="0"/>
-            </a:endParaRPr>
+            <a:endParaRPr lang="en-US"/>
           </a:p>
         </p:txBody>
       </p:sp>
       <p:sp>
         <p:nvSpPr>
-          <p:cNvPr id="116740" name="Slide Number Placeholder 3"/>
+          <p:cNvPr id="4" name="Slide Number Placeholder 3"/>
           <p:cNvSpPr>
             <a:spLocks noGrp="1"/>
           </p:cNvSpPr>
           <p:nvPr>
-            <p:ph type="sldNum" sz="quarter" idx="5"/>
+            <p:ph type="sldNum" sz="quarter" idx="10"/>
           </p:nvPr>
         </p:nvSpPr>
-        <p:spPr>
-          <a:noFill/>
-        </p:spPr>
+        <p:spPr/>
         <p:txBody>
           <a:bodyPr/>
           <a:lstStyle/>
           <a:p>
-            <a:pPr defTabSz="909638"/>
-            <a:fld id="{A9C92054-1BD5-4B92-94B7-517672C0FAF0}" type="slidenum">
-              <a:rPr lang="en-US" smtClean="0">
-                <a:solidFill>
-                  <a:srgbClr val="000000"/>
-                </a:solidFill>
-                <a:latin typeface="Arial" pitchFamily="34" charset="0"/>
-              </a:rPr>
-              <a:pPr defTabSz="909638"/>
-              <a:t>29</a:t>
+            <a:pPr>
+              <a:defRPr/>
+            </a:pPr>
+            <a:fld id="{9AF68C97-DBEA-40B2-91B6-F690EAC6BBD6}" type="slidenum">
+              <a:rPr lang="en-US" smtClean="0"/>
+              <a:pPr>
+                <a:defRPr/>
+              </a:pPr>
+              <a:t>15</a:t>
             </a:fld>
-            <a:endParaRPr lang="en-US" dirty="0" smtClean="0">
-              <a:solidFill>
-                <a:srgbClr val="000000"/>
-              </a:solidFill>
-              <a:latin typeface="Arial" pitchFamily="34" charset="0"/>
-            </a:endParaRPr>
+            <a:endParaRPr lang="en-US"/>
           </a:p>
         </p:txBody>
       </p:sp>
@@ -1594,21 +1533,19 @@
       </p:grpSpPr>
       <p:sp>
         <p:nvSpPr>
-          <p:cNvPr id="116738" name="Slide Image Placeholder 1"/>
+          <p:cNvPr id="2" name="Slide Image Placeholder 1"/>
           <p:cNvSpPr>
-            <a:spLocks noGrp="1" noRot="1" noChangeAspect="1" noTextEdit="1"/>
+            <a:spLocks noGrp="1" noRot="1" noChangeAspect="1"/>
           </p:cNvSpPr>
           <p:nvPr>
             <p:ph type="sldImg"/>
           </p:nvPr>
         </p:nvSpPr>
-        <p:spPr>
-          <a:ln/>
-        </p:spPr>
-      </p:sp>
-      <p:sp>
-        <p:nvSpPr>
-          <p:cNvPr id="116739" name="Notes Placeholder 2"/>
+        <p:spPr/>
+      </p:sp>
+      <p:sp>
+        <p:nvSpPr>
+          <p:cNvPr id="3" name="Notes Placeholder 2"/>
           <p:cNvSpPr>
             <a:spLocks noGrp="1"/>
           </p:cNvSpPr>
@@ -1616,62 +1553,43 @@
             <p:ph type="body" idx="1"/>
           </p:nvPr>
         </p:nvSpPr>
-        <p:spPr>
-          <a:noFill/>
-          <a:ln/>
-        </p:spPr>
+        <p:spPr/>
         <p:txBody>
-          <a:bodyPr/>
+          <a:bodyPr>
+            <a:normAutofit/>
+          </a:bodyPr>
           <a:lstStyle/>
           <a:p>
-            <a:r>
-              <a:rPr lang="en-US" dirty="0" smtClean="0">
-                <a:latin typeface="Arial" pitchFamily="34" charset="0"/>
-              </a:rPr>
-              <a:t>NEW</a:t>
-            </a:r>
-          </a:p>
-          <a:p>
-            <a:endParaRPr lang="en-US" dirty="0" smtClean="0">
-              <a:latin typeface="Arial" pitchFamily="34" charset="0"/>
-            </a:endParaRPr>
+            <a:endParaRPr lang="en-US"/>
           </a:p>
         </p:txBody>
       </p:sp>
       <p:sp>
         <p:nvSpPr>
-          <p:cNvPr id="116740" name="Slide Number Placeholder 3"/>
+          <p:cNvPr id="4" name="Slide Number Placeholder 3"/>
           <p:cNvSpPr>
             <a:spLocks noGrp="1"/>
           </p:cNvSpPr>
           <p:nvPr>
-            <p:ph type="sldNum" sz="quarter" idx="5"/>
+            <p:ph type="sldNum" sz="quarter" idx="10"/>
           </p:nvPr>
         </p:nvSpPr>
-        <p:spPr>
-          <a:noFill/>
-        </p:spPr>
+        <p:spPr/>
         <p:txBody>
           <a:bodyPr/>
           <a:lstStyle/>
           <a:p>
-            <a:pPr defTabSz="909638"/>
-            <a:fld id="{A9C92054-1BD5-4B92-94B7-517672C0FAF0}" type="slidenum">
-              <a:rPr lang="en-US" smtClean="0">
-                <a:solidFill>
-                  <a:srgbClr val="000000"/>
-                </a:solidFill>
-                <a:latin typeface="Arial" pitchFamily="34" charset="0"/>
-              </a:rPr>
-              <a:pPr defTabSz="909638"/>
-              <a:t>32</a:t>
+            <a:pPr>
+              <a:defRPr/>
+            </a:pPr>
+            <a:fld id="{9AF68C97-DBEA-40B2-91B6-F690EAC6BBD6}" type="slidenum">
+              <a:rPr lang="en-US" smtClean="0"/>
+              <a:pPr>
+                <a:defRPr/>
+              </a:pPr>
+              <a:t>16</a:t>
             </a:fld>
-            <a:endParaRPr lang="en-US" dirty="0" smtClean="0">
-              <a:solidFill>
-                <a:srgbClr val="000000"/>
-              </a:solidFill>
-              <a:latin typeface="Arial" pitchFamily="34" charset="0"/>
-            </a:endParaRPr>
+            <a:endParaRPr lang="en-US"/>
           </a:p>
         </p:txBody>
       </p:sp>
@@ -1702,21 +1620,19 @@
       </p:grpSpPr>
       <p:sp>
         <p:nvSpPr>
-          <p:cNvPr id="116738" name="Slide Image Placeholder 1"/>
+          <p:cNvPr id="2" name="Slide Image Placeholder 1"/>
           <p:cNvSpPr>
-            <a:spLocks noGrp="1" noRot="1" noChangeAspect="1" noTextEdit="1"/>
+            <a:spLocks noGrp="1" noRot="1" noChangeAspect="1"/>
           </p:cNvSpPr>
           <p:nvPr>
             <p:ph type="sldImg"/>
           </p:nvPr>
         </p:nvSpPr>
-        <p:spPr>
-          <a:ln/>
-        </p:spPr>
-      </p:sp>
-      <p:sp>
-        <p:nvSpPr>
-          <p:cNvPr id="116739" name="Notes Placeholder 2"/>
+        <p:spPr/>
+      </p:sp>
+      <p:sp>
+        <p:nvSpPr>
+          <p:cNvPr id="3" name="Notes Placeholder 2"/>
           <p:cNvSpPr>
             <a:spLocks noGrp="1"/>
           </p:cNvSpPr>
@@ -1724,62 +1640,43 @@
             <p:ph type="body" idx="1"/>
           </p:nvPr>
         </p:nvSpPr>
-        <p:spPr>
-          <a:noFill/>
-          <a:ln/>
-        </p:spPr>
+        <p:spPr/>
         <p:txBody>
-          <a:bodyPr/>
+          <a:bodyPr>
+            <a:normAutofit/>
+          </a:bodyPr>
           <a:lstStyle/>
           <a:p>
-            <a:r>
-              <a:rPr lang="en-US" dirty="0" smtClean="0">
-                <a:latin typeface="Arial" pitchFamily="34" charset="0"/>
-              </a:rPr>
-              <a:t>NEW</a:t>
-            </a:r>
-          </a:p>
-          <a:p>
-            <a:endParaRPr lang="en-US" dirty="0" smtClean="0">
-              <a:latin typeface="Arial" pitchFamily="34" charset="0"/>
-            </a:endParaRPr>
+            <a:endParaRPr lang="en-US"/>
           </a:p>
         </p:txBody>
       </p:sp>
       <p:sp>
         <p:nvSpPr>
-          <p:cNvPr id="116740" name="Slide Number Placeholder 3"/>
+          <p:cNvPr id="4" name="Slide Number Placeholder 3"/>
           <p:cNvSpPr>
             <a:spLocks noGrp="1"/>
           </p:cNvSpPr>
           <p:nvPr>
-            <p:ph type="sldNum" sz="quarter" idx="5"/>
+            <p:ph type="sldNum" sz="quarter" idx="10"/>
           </p:nvPr>
         </p:nvSpPr>
-        <p:spPr>
-          <a:noFill/>
-        </p:spPr>
+        <p:spPr/>
         <p:txBody>
           <a:bodyPr/>
           <a:lstStyle/>
           <a:p>
-            <a:pPr defTabSz="909638"/>
-            <a:fld id="{A9C92054-1BD5-4B92-94B7-517672C0FAF0}" type="slidenum">
-              <a:rPr lang="en-US" smtClean="0">
-                <a:solidFill>
-                  <a:srgbClr val="000000"/>
-                </a:solidFill>
-                <a:latin typeface="Arial" pitchFamily="34" charset="0"/>
-              </a:rPr>
-              <a:pPr defTabSz="909638"/>
-              <a:t>36</a:t>
+            <a:pPr>
+              <a:defRPr/>
+            </a:pPr>
+            <a:fld id="{9AF68C97-DBEA-40B2-91B6-F690EAC6BBD6}" type="slidenum">
+              <a:rPr lang="en-US" smtClean="0"/>
+              <a:pPr>
+                <a:defRPr/>
+              </a:pPr>
+              <a:t>17</a:t>
             </a:fld>
-            <a:endParaRPr lang="en-US" dirty="0" smtClean="0">
-              <a:solidFill>
-                <a:srgbClr val="000000"/>
-              </a:solidFill>
-              <a:latin typeface="Arial" pitchFamily="34" charset="0"/>
-            </a:endParaRPr>
+            <a:endParaRPr lang="en-US"/>
           </a:p>
         </p:txBody>
       </p:sp>
@@ -1810,49 +1707,23 @@
       </p:grpSpPr>
       <p:sp>
         <p:nvSpPr>
-          <p:cNvPr id="56322" name="Rectangle 5"/>
+          <p:cNvPr id="116738" name="Slide Image Placeholder 1"/>
           <p:cNvSpPr>
-            <a:spLocks noGrp="1" noChangeArrowheads="1"/>
-          </p:cNvSpPr>
-          <p:nvPr>
-            <p:ph type="sldNum" sz="quarter" idx="5"/>
-          </p:nvPr>
-        </p:nvSpPr>
-        <p:spPr>
-          <a:noFill/>
-        </p:spPr>
-        <p:txBody>
-          <a:bodyPr/>
-          <a:lstStyle/>
-          <a:p>
-            <a:fld id="{8FF64B04-1992-4103-8674-0CC1B4BCFB3D}" type="slidenum">
-              <a:rPr lang="en-US" smtClean="0"/>
-              <a:pPr/>
-              <a:t>37</a:t>
-            </a:fld>
-            <a:endParaRPr lang="en-US" smtClean="0"/>
-          </a:p>
-        </p:txBody>
-      </p:sp>
-      <p:sp>
-        <p:nvSpPr>
-          <p:cNvPr id="56323" name="Rectangle 2"/>
-          <p:cNvSpPr>
-            <a:spLocks noGrp="1" noRot="1" noChangeAspect="1" noChangeArrowheads="1" noTextEdit="1"/>
+            <a:spLocks noGrp="1" noRot="1" noChangeAspect="1" noTextEdit="1"/>
           </p:cNvSpPr>
           <p:nvPr>
             <p:ph type="sldImg"/>
           </p:nvPr>
         </p:nvSpPr>
         <p:spPr>
-          <a:ln cap="flat"/>
+          <a:ln/>
         </p:spPr>
       </p:sp>
       <p:sp>
         <p:nvSpPr>
-          <p:cNvPr id="56324" name="Rectangle 3"/>
+          <p:cNvPr id="116739" name="Notes Placeholder 2"/>
           <p:cNvSpPr>
-            <a:spLocks noGrp="1" noChangeArrowheads="1"/>
+            <a:spLocks noGrp="1"/>
           </p:cNvSpPr>
           <p:nvPr>
             <p:ph type="body" idx="1"/>
@@ -1866,7 +1737,141 @@
           <a:bodyPr/>
           <a:lstStyle/>
           <a:p>
-            <a:endParaRPr lang="en-US" smtClean="0"/>
+            <a:r>
+              <a:rPr lang="en-US" dirty="0" smtClean="0">
+                <a:latin typeface="Arial" pitchFamily="34" charset="0"/>
+              </a:rPr>
+              <a:t>NEW</a:t>
+            </a:r>
+          </a:p>
+          <a:p>
+            <a:endParaRPr lang="en-US" dirty="0" smtClean="0">
+              <a:latin typeface="Arial" pitchFamily="34" charset="0"/>
+            </a:endParaRPr>
+          </a:p>
+        </p:txBody>
+      </p:sp>
+      <p:sp>
+        <p:nvSpPr>
+          <p:cNvPr id="116740" name="Slide Number Placeholder 3"/>
+          <p:cNvSpPr>
+            <a:spLocks noGrp="1"/>
+          </p:cNvSpPr>
+          <p:nvPr>
+            <p:ph type="sldNum" sz="quarter" idx="5"/>
+          </p:nvPr>
+        </p:nvSpPr>
+        <p:spPr>
+          <a:noFill/>
+        </p:spPr>
+        <p:txBody>
+          <a:bodyPr/>
+          <a:lstStyle/>
+          <a:p>
+            <a:pPr defTabSz="909638"/>
+            <a:fld id="{A9C92054-1BD5-4B92-94B7-517672C0FAF0}" type="slidenum">
+              <a:rPr lang="en-US" smtClean="0">
+                <a:solidFill>
+                  <a:srgbClr val="000000"/>
+                </a:solidFill>
+                <a:latin typeface="Arial" pitchFamily="34" charset="0"/>
+              </a:rPr>
+              <a:pPr defTabSz="909638"/>
+              <a:t>18</a:t>
+            </a:fld>
+            <a:endParaRPr lang="en-US" dirty="0" smtClean="0">
+              <a:solidFill>
+                <a:srgbClr val="000000"/>
+              </a:solidFill>
+              <a:latin typeface="Arial" pitchFamily="34" charset="0"/>
+            </a:endParaRPr>
+          </a:p>
+        </p:txBody>
+      </p:sp>
+    </p:spTree>
+  </p:cSld>
+  <p:clrMapOvr>
+    <a:masterClrMapping/>
+  </p:clrMapOvr>
+</p:notes>
+</file>
+
+<file path=ppt/notesSlides/notesSlide19.xml><?xml version="1.0" encoding="utf-8"?>
+<p:notes xmlns:a="http://schemas.openxmlformats.org/drawingml/2006/main" xmlns:r="http://schemas.openxmlformats.org/officeDocument/2006/relationships" xmlns:p="http://schemas.openxmlformats.org/presentationml/2006/main">
+  <p:cSld>
+    <p:spTree>
+      <p:nvGrpSpPr>
+        <p:cNvPr id="1" name=""/>
+        <p:cNvGrpSpPr/>
+        <p:nvPr/>
+      </p:nvGrpSpPr>
+      <p:grpSpPr>
+        <a:xfrm>
+          <a:off x="0" y="0"/>
+          <a:ext cx="0" cy="0"/>
+          <a:chOff x="0" y="0"/>
+          <a:chExt cx="0" cy="0"/>
+        </a:xfrm>
+      </p:grpSpPr>
+      <p:sp>
+        <p:nvSpPr>
+          <p:cNvPr id="2" name="Slide Image Placeholder 1"/>
+          <p:cNvSpPr>
+            <a:spLocks noGrp="1" noRot="1" noChangeAspect="1"/>
+          </p:cNvSpPr>
+          <p:nvPr>
+            <p:ph type="sldImg"/>
+          </p:nvPr>
+        </p:nvSpPr>
+        <p:spPr/>
+      </p:sp>
+      <p:sp>
+        <p:nvSpPr>
+          <p:cNvPr id="3" name="Notes Placeholder 2"/>
+          <p:cNvSpPr>
+            <a:spLocks noGrp="1"/>
+          </p:cNvSpPr>
+          <p:nvPr>
+            <p:ph type="body" idx="1"/>
+          </p:nvPr>
+        </p:nvSpPr>
+        <p:spPr/>
+        <p:txBody>
+          <a:bodyPr>
+            <a:normAutofit/>
+          </a:bodyPr>
+          <a:lstStyle/>
+          <a:p>
+            <a:endParaRPr lang="en-US"/>
+          </a:p>
+        </p:txBody>
+      </p:sp>
+      <p:sp>
+        <p:nvSpPr>
+          <p:cNvPr id="4" name="Slide Number Placeholder 3"/>
+          <p:cNvSpPr>
+            <a:spLocks noGrp="1"/>
+          </p:cNvSpPr>
+          <p:nvPr>
+            <p:ph type="sldNum" sz="quarter" idx="10"/>
+          </p:nvPr>
+        </p:nvSpPr>
+        <p:spPr/>
+        <p:txBody>
+          <a:bodyPr/>
+          <a:lstStyle/>
+          <a:p>
+            <a:pPr>
+              <a:defRPr/>
+            </a:pPr>
+            <a:fld id="{9AF68C97-DBEA-40B2-91B6-F690EAC6BBD6}" type="slidenum">
+              <a:rPr lang="en-US" smtClean="0"/>
+              <a:pPr>
+                <a:defRPr/>
+              </a:pPr>
+              <a:t>19</a:t>
+            </a:fld>
+            <a:endParaRPr lang="en-US"/>
           </a:p>
         </p:txBody>
       </p:sp>
@@ -1986,6 +1991,918 @@
 </p:notes>
 </file>
 
+<file path=ppt/notesSlides/notesSlide20.xml><?xml version="1.0" encoding="utf-8"?>
+<p:notes xmlns:a="http://schemas.openxmlformats.org/drawingml/2006/main" xmlns:r="http://schemas.openxmlformats.org/officeDocument/2006/relationships" xmlns:p="http://schemas.openxmlformats.org/presentationml/2006/main">
+  <p:cSld>
+    <p:spTree>
+      <p:nvGrpSpPr>
+        <p:cNvPr id="1" name=""/>
+        <p:cNvGrpSpPr/>
+        <p:nvPr/>
+      </p:nvGrpSpPr>
+      <p:grpSpPr>
+        <a:xfrm>
+          <a:off x="0" y="0"/>
+          <a:ext cx="0" cy="0"/>
+          <a:chOff x="0" y="0"/>
+          <a:chExt cx="0" cy="0"/>
+        </a:xfrm>
+      </p:grpSpPr>
+      <p:sp>
+        <p:nvSpPr>
+          <p:cNvPr id="2" name="Slide Image Placeholder 1"/>
+          <p:cNvSpPr>
+            <a:spLocks noGrp="1" noRot="1" noChangeAspect="1"/>
+          </p:cNvSpPr>
+          <p:nvPr>
+            <p:ph type="sldImg"/>
+          </p:nvPr>
+        </p:nvSpPr>
+        <p:spPr/>
+      </p:sp>
+      <p:sp>
+        <p:nvSpPr>
+          <p:cNvPr id="3" name="Notes Placeholder 2"/>
+          <p:cNvSpPr>
+            <a:spLocks noGrp="1"/>
+          </p:cNvSpPr>
+          <p:nvPr>
+            <p:ph type="body" idx="1"/>
+          </p:nvPr>
+        </p:nvSpPr>
+        <p:spPr/>
+        <p:txBody>
+          <a:bodyPr>
+            <a:normAutofit/>
+          </a:bodyPr>
+          <a:lstStyle/>
+          <a:p>
+            <a:endParaRPr lang="en-US"/>
+          </a:p>
+        </p:txBody>
+      </p:sp>
+      <p:sp>
+        <p:nvSpPr>
+          <p:cNvPr id="4" name="Slide Number Placeholder 3"/>
+          <p:cNvSpPr>
+            <a:spLocks noGrp="1"/>
+          </p:cNvSpPr>
+          <p:nvPr>
+            <p:ph type="sldNum" sz="quarter" idx="10"/>
+          </p:nvPr>
+        </p:nvSpPr>
+        <p:spPr/>
+        <p:txBody>
+          <a:bodyPr/>
+          <a:lstStyle/>
+          <a:p>
+            <a:pPr>
+              <a:defRPr/>
+            </a:pPr>
+            <a:fld id="{9AF68C97-DBEA-40B2-91B6-F690EAC6BBD6}" type="slidenum">
+              <a:rPr lang="en-US" smtClean="0"/>
+              <a:pPr>
+                <a:defRPr/>
+              </a:pPr>
+              <a:t>20</a:t>
+            </a:fld>
+            <a:endParaRPr lang="en-US"/>
+          </a:p>
+        </p:txBody>
+      </p:sp>
+    </p:spTree>
+  </p:cSld>
+  <p:clrMapOvr>
+    <a:masterClrMapping/>
+  </p:clrMapOvr>
+</p:notes>
+</file>
+
+<file path=ppt/notesSlides/notesSlide21.xml><?xml version="1.0" encoding="utf-8"?>
+<p:notes xmlns:a="http://schemas.openxmlformats.org/drawingml/2006/main" xmlns:r="http://schemas.openxmlformats.org/officeDocument/2006/relationships" xmlns:p="http://schemas.openxmlformats.org/presentationml/2006/main">
+  <p:cSld>
+    <p:spTree>
+      <p:nvGrpSpPr>
+        <p:cNvPr id="1" name=""/>
+        <p:cNvGrpSpPr/>
+        <p:nvPr/>
+      </p:nvGrpSpPr>
+      <p:grpSpPr>
+        <a:xfrm>
+          <a:off x="0" y="0"/>
+          <a:ext cx="0" cy="0"/>
+          <a:chOff x="0" y="0"/>
+          <a:chExt cx="0" cy="0"/>
+        </a:xfrm>
+      </p:grpSpPr>
+      <p:sp>
+        <p:nvSpPr>
+          <p:cNvPr id="2" name="Slide Image Placeholder 1"/>
+          <p:cNvSpPr>
+            <a:spLocks noGrp="1" noRot="1" noChangeAspect="1"/>
+          </p:cNvSpPr>
+          <p:nvPr>
+            <p:ph type="sldImg"/>
+          </p:nvPr>
+        </p:nvSpPr>
+        <p:spPr/>
+      </p:sp>
+      <p:sp>
+        <p:nvSpPr>
+          <p:cNvPr id="3" name="Notes Placeholder 2"/>
+          <p:cNvSpPr>
+            <a:spLocks noGrp="1"/>
+          </p:cNvSpPr>
+          <p:nvPr>
+            <p:ph type="body" idx="1"/>
+          </p:nvPr>
+        </p:nvSpPr>
+        <p:spPr/>
+        <p:txBody>
+          <a:bodyPr>
+            <a:normAutofit/>
+          </a:bodyPr>
+          <a:lstStyle/>
+          <a:p>
+            <a:endParaRPr lang="en-US"/>
+          </a:p>
+        </p:txBody>
+      </p:sp>
+      <p:sp>
+        <p:nvSpPr>
+          <p:cNvPr id="4" name="Slide Number Placeholder 3"/>
+          <p:cNvSpPr>
+            <a:spLocks noGrp="1"/>
+          </p:cNvSpPr>
+          <p:nvPr>
+            <p:ph type="sldNum" sz="quarter" idx="10"/>
+          </p:nvPr>
+        </p:nvSpPr>
+        <p:spPr/>
+        <p:txBody>
+          <a:bodyPr/>
+          <a:lstStyle/>
+          <a:p>
+            <a:pPr>
+              <a:defRPr/>
+            </a:pPr>
+            <a:fld id="{9AF68C97-DBEA-40B2-91B6-F690EAC6BBD6}" type="slidenum">
+              <a:rPr lang="en-US" smtClean="0"/>
+              <a:pPr>
+                <a:defRPr/>
+              </a:pPr>
+              <a:t>21</a:t>
+            </a:fld>
+            <a:endParaRPr lang="en-US"/>
+          </a:p>
+        </p:txBody>
+      </p:sp>
+    </p:spTree>
+  </p:cSld>
+  <p:clrMapOvr>
+    <a:masterClrMapping/>
+  </p:clrMapOvr>
+</p:notes>
+</file>
+
+<file path=ppt/notesSlides/notesSlide22.xml><?xml version="1.0" encoding="utf-8"?>
+<p:notes xmlns:a="http://schemas.openxmlformats.org/drawingml/2006/main" xmlns:r="http://schemas.openxmlformats.org/officeDocument/2006/relationships" xmlns:p="http://schemas.openxmlformats.org/presentationml/2006/main">
+  <p:cSld>
+    <p:spTree>
+      <p:nvGrpSpPr>
+        <p:cNvPr id="1" name=""/>
+        <p:cNvGrpSpPr/>
+        <p:nvPr/>
+      </p:nvGrpSpPr>
+      <p:grpSpPr>
+        <a:xfrm>
+          <a:off x="0" y="0"/>
+          <a:ext cx="0" cy="0"/>
+          <a:chOff x="0" y="0"/>
+          <a:chExt cx="0" cy="0"/>
+        </a:xfrm>
+      </p:grpSpPr>
+      <p:sp>
+        <p:nvSpPr>
+          <p:cNvPr id="2" name="Slide Image Placeholder 1"/>
+          <p:cNvSpPr>
+            <a:spLocks noGrp="1" noRot="1" noChangeAspect="1"/>
+          </p:cNvSpPr>
+          <p:nvPr>
+            <p:ph type="sldImg"/>
+          </p:nvPr>
+        </p:nvSpPr>
+        <p:spPr/>
+      </p:sp>
+      <p:sp>
+        <p:nvSpPr>
+          <p:cNvPr id="3" name="Notes Placeholder 2"/>
+          <p:cNvSpPr>
+            <a:spLocks noGrp="1"/>
+          </p:cNvSpPr>
+          <p:nvPr>
+            <p:ph type="body" idx="1"/>
+          </p:nvPr>
+        </p:nvSpPr>
+        <p:spPr/>
+        <p:txBody>
+          <a:bodyPr>
+            <a:normAutofit/>
+          </a:bodyPr>
+          <a:lstStyle/>
+          <a:p>
+            <a:endParaRPr lang="en-US"/>
+          </a:p>
+        </p:txBody>
+      </p:sp>
+      <p:sp>
+        <p:nvSpPr>
+          <p:cNvPr id="4" name="Slide Number Placeholder 3"/>
+          <p:cNvSpPr>
+            <a:spLocks noGrp="1"/>
+          </p:cNvSpPr>
+          <p:nvPr>
+            <p:ph type="sldNum" sz="quarter" idx="10"/>
+          </p:nvPr>
+        </p:nvSpPr>
+        <p:spPr/>
+        <p:txBody>
+          <a:bodyPr/>
+          <a:lstStyle/>
+          <a:p>
+            <a:pPr>
+              <a:defRPr/>
+            </a:pPr>
+            <a:fld id="{9AF68C97-DBEA-40B2-91B6-F690EAC6BBD6}" type="slidenum">
+              <a:rPr lang="en-US" smtClean="0"/>
+              <a:pPr>
+                <a:defRPr/>
+              </a:pPr>
+              <a:t>22</a:t>
+            </a:fld>
+            <a:endParaRPr lang="en-US"/>
+          </a:p>
+        </p:txBody>
+      </p:sp>
+    </p:spTree>
+  </p:cSld>
+  <p:clrMapOvr>
+    <a:masterClrMapping/>
+  </p:clrMapOvr>
+</p:notes>
+</file>
+
+<file path=ppt/notesSlides/notesSlide23.xml><?xml version="1.0" encoding="utf-8"?>
+<p:notes xmlns:a="http://schemas.openxmlformats.org/drawingml/2006/main" xmlns:r="http://schemas.openxmlformats.org/officeDocument/2006/relationships" xmlns:p="http://schemas.openxmlformats.org/presentationml/2006/main">
+  <p:cSld>
+    <p:spTree>
+      <p:nvGrpSpPr>
+        <p:cNvPr id="1" name=""/>
+        <p:cNvGrpSpPr/>
+        <p:nvPr/>
+      </p:nvGrpSpPr>
+      <p:grpSpPr>
+        <a:xfrm>
+          <a:off x="0" y="0"/>
+          <a:ext cx="0" cy="0"/>
+          <a:chOff x="0" y="0"/>
+          <a:chExt cx="0" cy="0"/>
+        </a:xfrm>
+      </p:grpSpPr>
+      <p:sp>
+        <p:nvSpPr>
+          <p:cNvPr id="2" name="Slide Image Placeholder 1"/>
+          <p:cNvSpPr>
+            <a:spLocks noGrp="1" noRot="1" noChangeAspect="1"/>
+          </p:cNvSpPr>
+          <p:nvPr>
+            <p:ph type="sldImg"/>
+          </p:nvPr>
+        </p:nvSpPr>
+        <p:spPr/>
+      </p:sp>
+      <p:sp>
+        <p:nvSpPr>
+          <p:cNvPr id="3" name="Notes Placeholder 2"/>
+          <p:cNvSpPr>
+            <a:spLocks noGrp="1"/>
+          </p:cNvSpPr>
+          <p:nvPr>
+            <p:ph type="body" idx="1"/>
+          </p:nvPr>
+        </p:nvSpPr>
+        <p:spPr/>
+        <p:txBody>
+          <a:bodyPr>
+            <a:normAutofit/>
+          </a:bodyPr>
+          <a:lstStyle/>
+          <a:p>
+            <a:endParaRPr lang="en-US"/>
+          </a:p>
+        </p:txBody>
+      </p:sp>
+      <p:sp>
+        <p:nvSpPr>
+          <p:cNvPr id="4" name="Slide Number Placeholder 3"/>
+          <p:cNvSpPr>
+            <a:spLocks noGrp="1"/>
+          </p:cNvSpPr>
+          <p:nvPr>
+            <p:ph type="sldNum" sz="quarter" idx="10"/>
+          </p:nvPr>
+        </p:nvSpPr>
+        <p:spPr/>
+        <p:txBody>
+          <a:bodyPr/>
+          <a:lstStyle/>
+          <a:p>
+            <a:pPr>
+              <a:defRPr/>
+            </a:pPr>
+            <a:fld id="{9AF68C97-DBEA-40B2-91B6-F690EAC6BBD6}" type="slidenum">
+              <a:rPr lang="en-US" smtClean="0"/>
+              <a:pPr>
+                <a:defRPr/>
+              </a:pPr>
+              <a:t>23</a:t>
+            </a:fld>
+            <a:endParaRPr lang="en-US"/>
+          </a:p>
+        </p:txBody>
+      </p:sp>
+    </p:spTree>
+  </p:cSld>
+  <p:clrMapOvr>
+    <a:masterClrMapping/>
+  </p:clrMapOvr>
+</p:notes>
+</file>
+
+<file path=ppt/notesSlides/notesSlide24.xml><?xml version="1.0" encoding="utf-8"?>
+<p:notes xmlns:a="http://schemas.openxmlformats.org/drawingml/2006/main" xmlns:r="http://schemas.openxmlformats.org/officeDocument/2006/relationships" xmlns:p="http://schemas.openxmlformats.org/presentationml/2006/main">
+  <p:cSld>
+    <p:spTree>
+      <p:nvGrpSpPr>
+        <p:cNvPr id="1" name=""/>
+        <p:cNvGrpSpPr/>
+        <p:nvPr/>
+      </p:nvGrpSpPr>
+      <p:grpSpPr>
+        <a:xfrm>
+          <a:off x="0" y="0"/>
+          <a:ext cx="0" cy="0"/>
+          <a:chOff x="0" y="0"/>
+          <a:chExt cx="0" cy="0"/>
+        </a:xfrm>
+      </p:grpSpPr>
+      <p:sp>
+        <p:nvSpPr>
+          <p:cNvPr id="2" name="Slide Image Placeholder 1"/>
+          <p:cNvSpPr>
+            <a:spLocks noGrp="1" noRot="1" noChangeAspect="1"/>
+          </p:cNvSpPr>
+          <p:nvPr>
+            <p:ph type="sldImg"/>
+          </p:nvPr>
+        </p:nvSpPr>
+        <p:spPr/>
+      </p:sp>
+      <p:sp>
+        <p:nvSpPr>
+          <p:cNvPr id="3" name="Notes Placeholder 2"/>
+          <p:cNvSpPr>
+            <a:spLocks noGrp="1"/>
+          </p:cNvSpPr>
+          <p:nvPr>
+            <p:ph type="body" idx="1"/>
+          </p:nvPr>
+        </p:nvSpPr>
+        <p:spPr/>
+        <p:txBody>
+          <a:bodyPr>
+            <a:normAutofit/>
+          </a:bodyPr>
+          <a:lstStyle/>
+          <a:p>
+            <a:endParaRPr lang="en-US"/>
+          </a:p>
+        </p:txBody>
+      </p:sp>
+      <p:sp>
+        <p:nvSpPr>
+          <p:cNvPr id="4" name="Slide Number Placeholder 3"/>
+          <p:cNvSpPr>
+            <a:spLocks noGrp="1"/>
+          </p:cNvSpPr>
+          <p:nvPr>
+            <p:ph type="sldNum" sz="quarter" idx="10"/>
+          </p:nvPr>
+        </p:nvSpPr>
+        <p:spPr/>
+        <p:txBody>
+          <a:bodyPr/>
+          <a:lstStyle/>
+          <a:p>
+            <a:pPr>
+              <a:defRPr/>
+            </a:pPr>
+            <a:fld id="{9AF68C97-DBEA-40B2-91B6-F690EAC6BBD6}" type="slidenum">
+              <a:rPr lang="en-US" smtClean="0"/>
+              <a:pPr>
+                <a:defRPr/>
+              </a:pPr>
+              <a:t>24</a:t>
+            </a:fld>
+            <a:endParaRPr lang="en-US"/>
+          </a:p>
+        </p:txBody>
+      </p:sp>
+    </p:spTree>
+  </p:cSld>
+  <p:clrMapOvr>
+    <a:masterClrMapping/>
+  </p:clrMapOvr>
+</p:notes>
+</file>
+
+<file path=ppt/notesSlides/notesSlide25.xml><?xml version="1.0" encoding="utf-8"?>
+<p:notes xmlns:a="http://schemas.openxmlformats.org/drawingml/2006/main" xmlns:r="http://schemas.openxmlformats.org/officeDocument/2006/relationships" xmlns:p="http://schemas.openxmlformats.org/presentationml/2006/main">
+  <p:cSld>
+    <p:spTree>
+      <p:nvGrpSpPr>
+        <p:cNvPr id="1" name=""/>
+        <p:cNvGrpSpPr/>
+        <p:nvPr/>
+      </p:nvGrpSpPr>
+      <p:grpSpPr>
+        <a:xfrm>
+          <a:off x="0" y="0"/>
+          <a:ext cx="0" cy="0"/>
+          <a:chOff x="0" y="0"/>
+          <a:chExt cx="0" cy="0"/>
+        </a:xfrm>
+      </p:grpSpPr>
+      <p:sp>
+        <p:nvSpPr>
+          <p:cNvPr id="2" name="Slide Image Placeholder 1"/>
+          <p:cNvSpPr>
+            <a:spLocks noGrp="1" noRot="1" noChangeAspect="1"/>
+          </p:cNvSpPr>
+          <p:nvPr>
+            <p:ph type="sldImg"/>
+          </p:nvPr>
+        </p:nvSpPr>
+        <p:spPr/>
+      </p:sp>
+      <p:sp>
+        <p:nvSpPr>
+          <p:cNvPr id="3" name="Notes Placeholder 2"/>
+          <p:cNvSpPr>
+            <a:spLocks noGrp="1"/>
+          </p:cNvSpPr>
+          <p:nvPr>
+            <p:ph type="body" idx="1"/>
+          </p:nvPr>
+        </p:nvSpPr>
+        <p:spPr/>
+        <p:txBody>
+          <a:bodyPr>
+            <a:normAutofit/>
+          </a:bodyPr>
+          <a:lstStyle/>
+          <a:p>
+            <a:endParaRPr lang="en-US"/>
+          </a:p>
+        </p:txBody>
+      </p:sp>
+      <p:sp>
+        <p:nvSpPr>
+          <p:cNvPr id="4" name="Slide Number Placeholder 3"/>
+          <p:cNvSpPr>
+            <a:spLocks noGrp="1"/>
+          </p:cNvSpPr>
+          <p:nvPr>
+            <p:ph type="sldNum" sz="quarter" idx="10"/>
+          </p:nvPr>
+        </p:nvSpPr>
+        <p:spPr/>
+        <p:txBody>
+          <a:bodyPr/>
+          <a:lstStyle/>
+          <a:p>
+            <a:pPr>
+              <a:defRPr/>
+            </a:pPr>
+            <a:fld id="{9AF68C97-DBEA-40B2-91B6-F690EAC6BBD6}" type="slidenum">
+              <a:rPr lang="en-US" smtClean="0"/>
+              <a:pPr>
+                <a:defRPr/>
+              </a:pPr>
+              <a:t>25</a:t>
+            </a:fld>
+            <a:endParaRPr lang="en-US"/>
+          </a:p>
+        </p:txBody>
+      </p:sp>
+    </p:spTree>
+  </p:cSld>
+  <p:clrMapOvr>
+    <a:masterClrMapping/>
+  </p:clrMapOvr>
+</p:notes>
+</file>
+
+<file path=ppt/notesSlides/notesSlide26.xml><?xml version="1.0" encoding="utf-8"?>
+<p:notes xmlns:a="http://schemas.openxmlformats.org/drawingml/2006/main" xmlns:r="http://schemas.openxmlformats.org/officeDocument/2006/relationships" xmlns:p="http://schemas.openxmlformats.org/presentationml/2006/main">
+  <p:cSld>
+    <p:spTree>
+      <p:nvGrpSpPr>
+        <p:cNvPr id="1" name=""/>
+        <p:cNvGrpSpPr/>
+        <p:nvPr/>
+      </p:nvGrpSpPr>
+      <p:grpSpPr>
+        <a:xfrm>
+          <a:off x="0" y="0"/>
+          <a:ext cx="0" cy="0"/>
+          <a:chOff x="0" y="0"/>
+          <a:chExt cx="0" cy="0"/>
+        </a:xfrm>
+      </p:grpSpPr>
+      <p:sp>
+        <p:nvSpPr>
+          <p:cNvPr id="116738" name="Slide Image Placeholder 1"/>
+          <p:cNvSpPr>
+            <a:spLocks noGrp="1" noRot="1" noChangeAspect="1" noTextEdit="1"/>
+          </p:cNvSpPr>
+          <p:nvPr>
+            <p:ph type="sldImg"/>
+          </p:nvPr>
+        </p:nvSpPr>
+        <p:spPr>
+          <a:ln/>
+        </p:spPr>
+      </p:sp>
+      <p:sp>
+        <p:nvSpPr>
+          <p:cNvPr id="116739" name="Notes Placeholder 2"/>
+          <p:cNvSpPr>
+            <a:spLocks noGrp="1"/>
+          </p:cNvSpPr>
+          <p:nvPr>
+            <p:ph type="body" idx="1"/>
+          </p:nvPr>
+        </p:nvSpPr>
+        <p:spPr>
+          <a:noFill/>
+          <a:ln/>
+        </p:spPr>
+        <p:txBody>
+          <a:bodyPr/>
+          <a:lstStyle/>
+          <a:p>
+            <a:r>
+              <a:rPr lang="en-US" dirty="0" smtClean="0">
+                <a:latin typeface="Arial" pitchFamily="34" charset="0"/>
+              </a:rPr>
+              <a:t>NEW</a:t>
+            </a:r>
+          </a:p>
+          <a:p>
+            <a:endParaRPr lang="en-US" dirty="0" smtClean="0">
+              <a:latin typeface="Arial" pitchFamily="34" charset="0"/>
+            </a:endParaRPr>
+          </a:p>
+        </p:txBody>
+      </p:sp>
+      <p:sp>
+        <p:nvSpPr>
+          <p:cNvPr id="116740" name="Slide Number Placeholder 3"/>
+          <p:cNvSpPr>
+            <a:spLocks noGrp="1"/>
+          </p:cNvSpPr>
+          <p:nvPr>
+            <p:ph type="sldNum" sz="quarter" idx="5"/>
+          </p:nvPr>
+        </p:nvSpPr>
+        <p:spPr>
+          <a:noFill/>
+        </p:spPr>
+        <p:txBody>
+          <a:bodyPr/>
+          <a:lstStyle/>
+          <a:p>
+            <a:pPr defTabSz="909638"/>
+            <a:fld id="{A9C92054-1BD5-4B92-94B7-517672C0FAF0}" type="slidenum">
+              <a:rPr lang="en-US" smtClean="0">
+                <a:solidFill>
+                  <a:srgbClr val="000000"/>
+                </a:solidFill>
+                <a:latin typeface="Arial" pitchFamily="34" charset="0"/>
+              </a:rPr>
+              <a:pPr defTabSz="909638"/>
+              <a:t>26</a:t>
+            </a:fld>
+            <a:endParaRPr lang="en-US" dirty="0" smtClean="0">
+              <a:solidFill>
+                <a:srgbClr val="000000"/>
+              </a:solidFill>
+              <a:latin typeface="Arial" pitchFamily="34" charset="0"/>
+            </a:endParaRPr>
+          </a:p>
+        </p:txBody>
+      </p:sp>
+    </p:spTree>
+  </p:cSld>
+  <p:clrMapOvr>
+    <a:masterClrMapping/>
+  </p:clrMapOvr>
+</p:notes>
+</file>
+
+<file path=ppt/notesSlides/notesSlide27.xml><?xml version="1.0" encoding="utf-8"?>
+<p:notes xmlns:a="http://schemas.openxmlformats.org/drawingml/2006/main" xmlns:r="http://schemas.openxmlformats.org/officeDocument/2006/relationships" xmlns:p="http://schemas.openxmlformats.org/presentationml/2006/main">
+  <p:cSld>
+    <p:spTree>
+      <p:nvGrpSpPr>
+        <p:cNvPr id="1" name=""/>
+        <p:cNvGrpSpPr/>
+        <p:nvPr/>
+      </p:nvGrpSpPr>
+      <p:grpSpPr>
+        <a:xfrm>
+          <a:off x="0" y="0"/>
+          <a:ext cx="0" cy="0"/>
+          <a:chOff x="0" y="0"/>
+          <a:chExt cx="0" cy="0"/>
+        </a:xfrm>
+      </p:grpSpPr>
+      <p:sp>
+        <p:nvSpPr>
+          <p:cNvPr id="2" name="Slide Image Placeholder 1"/>
+          <p:cNvSpPr>
+            <a:spLocks noGrp="1" noRot="1" noChangeAspect="1"/>
+          </p:cNvSpPr>
+          <p:nvPr>
+            <p:ph type="sldImg"/>
+          </p:nvPr>
+        </p:nvSpPr>
+        <p:spPr/>
+      </p:sp>
+      <p:sp>
+        <p:nvSpPr>
+          <p:cNvPr id="3" name="Notes Placeholder 2"/>
+          <p:cNvSpPr>
+            <a:spLocks noGrp="1"/>
+          </p:cNvSpPr>
+          <p:nvPr>
+            <p:ph type="body" idx="1"/>
+          </p:nvPr>
+        </p:nvSpPr>
+        <p:spPr/>
+        <p:txBody>
+          <a:bodyPr>
+            <a:normAutofit/>
+          </a:bodyPr>
+          <a:lstStyle/>
+          <a:p>
+            <a:endParaRPr lang="en-US"/>
+          </a:p>
+        </p:txBody>
+      </p:sp>
+      <p:sp>
+        <p:nvSpPr>
+          <p:cNvPr id="4" name="Slide Number Placeholder 3"/>
+          <p:cNvSpPr>
+            <a:spLocks noGrp="1"/>
+          </p:cNvSpPr>
+          <p:nvPr>
+            <p:ph type="sldNum" sz="quarter" idx="10"/>
+          </p:nvPr>
+        </p:nvSpPr>
+        <p:spPr/>
+        <p:txBody>
+          <a:bodyPr/>
+          <a:lstStyle/>
+          <a:p>
+            <a:pPr>
+              <a:defRPr/>
+            </a:pPr>
+            <a:fld id="{9AF68C97-DBEA-40B2-91B6-F690EAC6BBD6}" type="slidenum">
+              <a:rPr lang="en-US" smtClean="0"/>
+              <a:pPr>
+                <a:defRPr/>
+              </a:pPr>
+              <a:t>27</a:t>
+            </a:fld>
+            <a:endParaRPr lang="en-US"/>
+          </a:p>
+        </p:txBody>
+      </p:sp>
+    </p:spTree>
+  </p:cSld>
+  <p:clrMapOvr>
+    <a:masterClrMapping/>
+  </p:clrMapOvr>
+</p:notes>
+</file>
+
+<file path=ppt/notesSlides/notesSlide28.xml><?xml version="1.0" encoding="utf-8"?>
+<p:notes xmlns:a="http://schemas.openxmlformats.org/drawingml/2006/main" xmlns:r="http://schemas.openxmlformats.org/officeDocument/2006/relationships" xmlns:p="http://schemas.openxmlformats.org/presentationml/2006/main">
+  <p:cSld>
+    <p:spTree>
+      <p:nvGrpSpPr>
+        <p:cNvPr id="1" name=""/>
+        <p:cNvGrpSpPr/>
+        <p:nvPr/>
+      </p:nvGrpSpPr>
+      <p:grpSpPr>
+        <a:xfrm>
+          <a:off x="0" y="0"/>
+          <a:ext cx="0" cy="0"/>
+          <a:chOff x="0" y="0"/>
+          <a:chExt cx="0" cy="0"/>
+        </a:xfrm>
+      </p:grpSpPr>
+      <p:sp>
+        <p:nvSpPr>
+          <p:cNvPr id="2" name="Slide Image Placeholder 1"/>
+          <p:cNvSpPr>
+            <a:spLocks noGrp="1" noRot="1" noChangeAspect="1"/>
+          </p:cNvSpPr>
+          <p:nvPr>
+            <p:ph type="sldImg"/>
+          </p:nvPr>
+        </p:nvSpPr>
+        <p:spPr/>
+      </p:sp>
+      <p:sp>
+        <p:nvSpPr>
+          <p:cNvPr id="3" name="Notes Placeholder 2"/>
+          <p:cNvSpPr>
+            <a:spLocks noGrp="1"/>
+          </p:cNvSpPr>
+          <p:nvPr>
+            <p:ph type="body" idx="1"/>
+          </p:nvPr>
+        </p:nvSpPr>
+        <p:spPr/>
+        <p:txBody>
+          <a:bodyPr>
+            <a:normAutofit/>
+          </a:bodyPr>
+          <a:lstStyle/>
+          <a:p>
+            <a:endParaRPr lang="en-US"/>
+          </a:p>
+        </p:txBody>
+      </p:sp>
+      <p:sp>
+        <p:nvSpPr>
+          <p:cNvPr id="4" name="Slide Number Placeholder 3"/>
+          <p:cNvSpPr>
+            <a:spLocks noGrp="1"/>
+          </p:cNvSpPr>
+          <p:nvPr>
+            <p:ph type="sldNum" sz="quarter" idx="10"/>
+          </p:nvPr>
+        </p:nvSpPr>
+        <p:spPr/>
+        <p:txBody>
+          <a:bodyPr/>
+          <a:lstStyle/>
+          <a:p>
+            <a:pPr>
+              <a:defRPr/>
+            </a:pPr>
+            <a:fld id="{9AF68C97-DBEA-40B2-91B6-F690EAC6BBD6}" type="slidenum">
+              <a:rPr lang="en-US" smtClean="0"/>
+              <a:pPr>
+                <a:defRPr/>
+              </a:pPr>
+              <a:t>28</a:t>
+            </a:fld>
+            <a:endParaRPr lang="en-US"/>
+          </a:p>
+        </p:txBody>
+      </p:sp>
+    </p:spTree>
+  </p:cSld>
+  <p:clrMapOvr>
+    <a:masterClrMapping/>
+  </p:clrMapOvr>
+</p:notes>
+</file>
+
+<file path=ppt/notesSlides/notesSlide29.xml><?xml version="1.0" encoding="utf-8"?>
+<p:notes xmlns:a="http://schemas.openxmlformats.org/drawingml/2006/main" xmlns:r="http://schemas.openxmlformats.org/officeDocument/2006/relationships" xmlns:p="http://schemas.openxmlformats.org/presentationml/2006/main">
+  <p:cSld>
+    <p:spTree>
+      <p:nvGrpSpPr>
+        <p:cNvPr id="1" name=""/>
+        <p:cNvGrpSpPr/>
+        <p:nvPr/>
+      </p:nvGrpSpPr>
+      <p:grpSpPr>
+        <a:xfrm>
+          <a:off x="0" y="0"/>
+          <a:ext cx="0" cy="0"/>
+          <a:chOff x="0" y="0"/>
+          <a:chExt cx="0" cy="0"/>
+        </a:xfrm>
+      </p:grpSpPr>
+      <p:sp>
+        <p:nvSpPr>
+          <p:cNvPr id="116738" name="Slide Image Placeholder 1"/>
+          <p:cNvSpPr>
+            <a:spLocks noGrp="1" noRot="1" noChangeAspect="1" noTextEdit="1"/>
+          </p:cNvSpPr>
+          <p:nvPr>
+            <p:ph type="sldImg"/>
+          </p:nvPr>
+        </p:nvSpPr>
+        <p:spPr>
+          <a:ln/>
+        </p:spPr>
+      </p:sp>
+      <p:sp>
+        <p:nvSpPr>
+          <p:cNvPr id="116739" name="Notes Placeholder 2"/>
+          <p:cNvSpPr>
+            <a:spLocks noGrp="1"/>
+          </p:cNvSpPr>
+          <p:nvPr>
+            <p:ph type="body" idx="1"/>
+          </p:nvPr>
+        </p:nvSpPr>
+        <p:spPr>
+          <a:noFill/>
+          <a:ln/>
+        </p:spPr>
+        <p:txBody>
+          <a:bodyPr/>
+          <a:lstStyle/>
+          <a:p>
+            <a:r>
+              <a:rPr lang="en-US" dirty="0" smtClean="0">
+                <a:latin typeface="Arial" pitchFamily="34" charset="0"/>
+              </a:rPr>
+              <a:t>NEW</a:t>
+            </a:r>
+          </a:p>
+          <a:p>
+            <a:endParaRPr lang="en-US" dirty="0" smtClean="0">
+              <a:latin typeface="Arial" pitchFamily="34" charset="0"/>
+            </a:endParaRPr>
+          </a:p>
+        </p:txBody>
+      </p:sp>
+      <p:sp>
+        <p:nvSpPr>
+          <p:cNvPr id="116740" name="Slide Number Placeholder 3"/>
+          <p:cNvSpPr>
+            <a:spLocks noGrp="1"/>
+          </p:cNvSpPr>
+          <p:nvPr>
+            <p:ph type="sldNum" sz="quarter" idx="5"/>
+          </p:nvPr>
+        </p:nvSpPr>
+        <p:spPr>
+          <a:noFill/>
+        </p:spPr>
+        <p:txBody>
+          <a:bodyPr/>
+          <a:lstStyle/>
+          <a:p>
+            <a:pPr defTabSz="909638"/>
+            <a:fld id="{A9C92054-1BD5-4B92-94B7-517672C0FAF0}" type="slidenum">
+              <a:rPr lang="en-US" smtClean="0">
+                <a:solidFill>
+                  <a:srgbClr val="000000"/>
+                </a:solidFill>
+                <a:latin typeface="Arial" pitchFamily="34" charset="0"/>
+              </a:rPr>
+              <a:pPr defTabSz="909638"/>
+              <a:t>29</a:t>
+            </a:fld>
+            <a:endParaRPr lang="en-US" dirty="0" smtClean="0">
+              <a:solidFill>
+                <a:srgbClr val="000000"/>
+              </a:solidFill>
+              <a:latin typeface="Arial" pitchFamily="34" charset="0"/>
+            </a:endParaRPr>
+          </a:p>
+        </p:txBody>
+      </p:sp>
+    </p:spTree>
+  </p:cSld>
+  <p:clrMapOvr>
+    <a:masterClrMapping/>
+  </p:clrMapOvr>
+</p:notes>
+</file>
+
 <file path=ppt/notesSlides/notesSlide3.xml><?xml version="1.0" encoding="utf-8"?>
 <p:notes xmlns:a="http://schemas.openxmlformats.org/drawingml/2006/main" xmlns:r="http://schemas.openxmlformats.org/officeDocument/2006/relationships" xmlns:p="http://schemas.openxmlformats.org/presentationml/2006/main">
   <p:cSld>
@@ -2083,6 +3000,918 @@
               </a:solidFill>
               <a:latin typeface="Arial" pitchFamily="34" charset="0"/>
             </a:endParaRPr>
+          </a:p>
+        </p:txBody>
+      </p:sp>
+    </p:spTree>
+  </p:cSld>
+  <p:clrMapOvr>
+    <a:masterClrMapping/>
+  </p:clrMapOvr>
+</p:notes>
+</file>
+
+<file path=ppt/notesSlides/notesSlide30.xml><?xml version="1.0" encoding="utf-8"?>
+<p:notes xmlns:a="http://schemas.openxmlformats.org/drawingml/2006/main" xmlns:r="http://schemas.openxmlformats.org/officeDocument/2006/relationships" xmlns:p="http://schemas.openxmlformats.org/presentationml/2006/main">
+  <p:cSld>
+    <p:spTree>
+      <p:nvGrpSpPr>
+        <p:cNvPr id="1" name=""/>
+        <p:cNvGrpSpPr/>
+        <p:nvPr/>
+      </p:nvGrpSpPr>
+      <p:grpSpPr>
+        <a:xfrm>
+          <a:off x="0" y="0"/>
+          <a:ext cx="0" cy="0"/>
+          <a:chOff x="0" y="0"/>
+          <a:chExt cx="0" cy="0"/>
+        </a:xfrm>
+      </p:grpSpPr>
+      <p:sp>
+        <p:nvSpPr>
+          <p:cNvPr id="2" name="Slide Image Placeholder 1"/>
+          <p:cNvSpPr>
+            <a:spLocks noGrp="1" noRot="1" noChangeAspect="1"/>
+          </p:cNvSpPr>
+          <p:nvPr>
+            <p:ph type="sldImg"/>
+          </p:nvPr>
+        </p:nvSpPr>
+        <p:spPr/>
+      </p:sp>
+      <p:sp>
+        <p:nvSpPr>
+          <p:cNvPr id="3" name="Notes Placeholder 2"/>
+          <p:cNvSpPr>
+            <a:spLocks noGrp="1"/>
+          </p:cNvSpPr>
+          <p:nvPr>
+            <p:ph type="body" idx="1"/>
+          </p:nvPr>
+        </p:nvSpPr>
+        <p:spPr/>
+        <p:txBody>
+          <a:bodyPr>
+            <a:normAutofit/>
+          </a:bodyPr>
+          <a:lstStyle/>
+          <a:p>
+            <a:endParaRPr lang="en-US"/>
+          </a:p>
+        </p:txBody>
+      </p:sp>
+      <p:sp>
+        <p:nvSpPr>
+          <p:cNvPr id="4" name="Slide Number Placeholder 3"/>
+          <p:cNvSpPr>
+            <a:spLocks noGrp="1"/>
+          </p:cNvSpPr>
+          <p:nvPr>
+            <p:ph type="sldNum" sz="quarter" idx="10"/>
+          </p:nvPr>
+        </p:nvSpPr>
+        <p:spPr/>
+        <p:txBody>
+          <a:bodyPr/>
+          <a:lstStyle/>
+          <a:p>
+            <a:pPr>
+              <a:defRPr/>
+            </a:pPr>
+            <a:fld id="{9AF68C97-DBEA-40B2-91B6-F690EAC6BBD6}" type="slidenum">
+              <a:rPr lang="en-US" smtClean="0"/>
+              <a:pPr>
+                <a:defRPr/>
+              </a:pPr>
+              <a:t>30</a:t>
+            </a:fld>
+            <a:endParaRPr lang="en-US"/>
+          </a:p>
+        </p:txBody>
+      </p:sp>
+    </p:spTree>
+  </p:cSld>
+  <p:clrMapOvr>
+    <a:masterClrMapping/>
+  </p:clrMapOvr>
+</p:notes>
+</file>
+
+<file path=ppt/notesSlides/notesSlide31.xml><?xml version="1.0" encoding="utf-8"?>
+<p:notes xmlns:a="http://schemas.openxmlformats.org/drawingml/2006/main" xmlns:r="http://schemas.openxmlformats.org/officeDocument/2006/relationships" xmlns:p="http://schemas.openxmlformats.org/presentationml/2006/main">
+  <p:cSld>
+    <p:spTree>
+      <p:nvGrpSpPr>
+        <p:cNvPr id="1" name=""/>
+        <p:cNvGrpSpPr/>
+        <p:nvPr/>
+      </p:nvGrpSpPr>
+      <p:grpSpPr>
+        <a:xfrm>
+          <a:off x="0" y="0"/>
+          <a:ext cx="0" cy="0"/>
+          <a:chOff x="0" y="0"/>
+          <a:chExt cx="0" cy="0"/>
+        </a:xfrm>
+      </p:grpSpPr>
+      <p:sp>
+        <p:nvSpPr>
+          <p:cNvPr id="2" name="Slide Image Placeholder 1"/>
+          <p:cNvSpPr>
+            <a:spLocks noGrp="1" noRot="1" noChangeAspect="1"/>
+          </p:cNvSpPr>
+          <p:nvPr>
+            <p:ph type="sldImg"/>
+          </p:nvPr>
+        </p:nvSpPr>
+        <p:spPr/>
+      </p:sp>
+      <p:sp>
+        <p:nvSpPr>
+          <p:cNvPr id="3" name="Notes Placeholder 2"/>
+          <p:cNvSpPr>
+            <a:spLocks noGrp="1"/>
+          </p:cNvSpPr>
+          <p:nvPr>
+            <p:ph type="body" idx="1"/>
+          </p:nvPr>
+        </p:nvSpPr>
+        <p:spPr/>
+        <p:txBody>
+          <a:bodyPr>
+            <a:normAutofit/>
+          </a:bodyPr>
+          <a:lstStyle/>
+          <a:p>
+            <a:endParaRPr lang="en-US"/>
+          </a:p>
+        </p:txBody>
+      </p:sp>
+      <p:sp>
+        <p:nvSpPr>
+          <p:cNvPr id="4" name="Slide Number Placeholder 3"/>
+          <p:cNvSpPr>
+            <a:spLocks noGrp="1"/>
+          </p:cNvSpPr>
+          <p:nvPr>
+            <p:ph type="sldNum" sz="quarter" idx="10"/>
+          </p:nvPr>
+        </p:nvSpPr>
+        <p:spPr/>
+        <p:txBody>
+          <a:bodyPr/>
+          <a:lstStyle/>
+          <a:p>
+            <a:pPr>
+              <a:defRPr/>
+            </a:pPr>
+            <a:fld id="{9AF68C97-DBEA-40B2-91B6-F690EAC6BBD6}" type="slidenum">
+              <a:rPr lang="en-US" smtClean="0"/>
+              <a:pPr>
+                <a:defRPr/>
+              </a:pPr>
+              <a:t>31</a:t>
+            </a:fld>
+            <a:endParaRPr lang="en-US"/>
+          </a:p>
+        </p:txBody>
+      </p:sp>
+    </p:spTree>
+  </p:cSld>
+  <p:clrMapOvr>
+    <a:masterClrMapping/>
+  </p:clrMapOvr>
+</p:notes>
+</file>
+
+<file path=ppt/notesSlides/notesSlide32.xml><?xml version="1.0" encoding="utf-8"?>
+<p:notes xmlns:a="http://schemas.openxmlformats.org/drawingml/2006/main" xmlns:r="http://schemas.openxmlformats.org/officeDocument/2006/relationships" xmlns:p="http://schemas.openxmlformats.org/presentationml/2006/main">
+  <p:cSld>
+    <p:spTree>
+      <p:nvGrpSpPr>
+        <p:cNvPr id="1" name=""/>
+        <p:cNvGrpSpPr/>
+        <p:nvPr/>
+      </p:nvGrpSpPr>
+      <p:grpSpPr>
+        <a:xfrm>
+          <a:off x="0" y="0"/>
+          <a:ext cx="0" cy="0"/>
+          <a:chOff x="0" y="0"/>
+          <a:chExt cx="0" cy="0"/>
+        </a:xfrm>
+      </p:grpSpPr>
+      <p:sp>
+        <p:nvSpPr>
+          <p:cNvPr id="116738" name="Slide Image Placeholder 1"/>
+          <p:cNvSpPr>
+            <a:spLocks noGrp="1" noRot="1" noChangeAspect="1" noTextEdit="1"/>
+          </p:cNvSpPr>
+          <p:nvPr>
+            <p:ph type="sldImg"/>
+          </p:nvPr>
+        </p:nvSpPr>
+        <p:spPr>
+          <a:ln/>
+        </p:spPr>
+      </p:sp>
+      <p:sp>
+        <p:nvSpPr>
+          <p:cNvPr id="116739" name="Notes Placeholder 2"/>
+          <p:cNvSpPr>
+            <a:spLocks noGrp="1"/>
+          </p:cNvSpPr>
+          <p:nvPr>
+            <p:ph type="body" idx="1"/>
+          </p:nvPr>
+        </p:nvSpPr>
+        <p:spPr>
+          <a:noFill/>
+          <a:ln/>
+        </p:spPr>
+        <p:txBody>
+          <a:bodyPr/>
+          <a:lstStyle/>
+          <a:p>
+            <a:r>
+              <a:rPr lang="en-US" dirty="0" smtClean="0">
+                <a:latin typeface="Arial" pitchFamily="34" charset="0"/>
+              </a:rPr>
+              <a:t>NEW</a:t>
+            </a:r>
+          </a:p>
+          <a:p>
+            <a:endParaRPr lang="en-US" dirty="0" smtClean="0">
+              <a:latin typeface="Arial" pitchFamily="34" charset="0"/>
+            </a:endParaRPr>
+          </a:p>
+        </p:txBody>
+      </p:sp>
+      <p:sp>
+        <p:nvSpPr>
+          <p:cNvPr id="116740" name="Slide Number Placeholder 3"/>
+          <p:cNvSpPr>
+            <a:spLocks noGrp="1"/>
+          </p:cNvSpPr>
+          <p:nvPr>
+            <p:ph type="sldNum" sz="quarter" idx="5"/>
+          </p:nvPr>
+        </p:nvSpPr>
+        <p:spPr>
+          <a:noFill/>
+        </p:spPr>
+        <p:txBody>
+          <a:bodyPr/>
+          <a:lstStyle/>
+          <a:p>
+            <a:pPr defTabSz="909638"/>
+            <a:fld id="{A9C92054-1BD5-4B92-94B7-517672C0FAF0}" type="slidenum">
+              <a:rPr lang="en-US" smtClean="0">
+                <a:solidFill>
+                  <a:srgbClr val="000000"/>
+                </a:solidFill>
+                <a:latin typeface="Arial" pitchFamily="34" charset="0"/>
+              </a:rPr>
+              <a:pPr defTabSz="909638"/>
+              <a:t>32</a:t>
+            </a:fld>
+            <a:endParaRPr lang="en-US" dirty="0" smtClean="0">
+              <a:solidFill>
+                <a:srgbClr val="000000"/>
+              </a:solidFill>
+              <a:latin typeface="Arial" pitchFamily="34" charset="0"/>
+            </a:endParaRPr>
+          </a:p>
+        </p:txBody>
+      </p:sp>
+    </p:spTree>
+  </p:cSld>
+  <p:clrMapOvr>
+    <a:masterClrMapping/>
+  </p:clrMapOvr>
+</p:notes>
+</file>
+
+<file path=ppt/notesSlides/notesSlide33.xml><?xml version="1.0" encoding="utf-8"?>
+<p:notes xmlns:a="http://schemas.openxmlformats.org/drawingml/2006/main" xmlns:r="http://schemas.openxmlformats.org/officeDocument/2006/relationships" xmlns:p="http://schemas.openxmlformats.org/presentationml/2006/main">
+  <p:cSld>
+    <p:spTree>
+      <p:nvGrpSpPr>
+        <p:cNvPr id="1" name=""/>
+        <p:cNvGrpSpPr/>
+        <p:nvPr/>
+      </p:nvGrpSpPr>
+      <p:grpSpPr>
+        <a:xfrm>
+          <a:off x="0" y="0"/>
+          <a:ext cx="0" cy="0"/>
+          <a:chOff x="0" y="0"/>
+          <a:chExt cx="0" cy="0"/>
+        </a:xfrm>
+      </p:grpSpPr>
+      <p:sp>
+        <p:nvSpPr>
+          <p:cNvPr id="2" name="Slide Image Placeholder 1"/>
+          <p:cNvSpPr>
+            <a:spLocks noGrp="1" noRot="1" noChangeAspect="1"/>
+          </p:cNvSpPr>
+          <p:nvPr>
+            <p:ph type="sldImg"/>
+          </p:nvPr>
+        </p:nvSpPr>
+        <p:spPr/>
+      </p:sp>
+      <p:sp>
+        <p:nvSpPr>
+          <p:cNvPr id="3" name="Notes Placeholder 2"/>
+          <p:cNvSpPr>
+            <a:spLocks noGrp="1"/>
+          </p:cNvSpPr>
+          <p:nvPr>
+            <p:ph type="body" idx="1"/>
+          </p:nvPr>
+        </p:nvSpPr>
+        <p:spPr/>
+        <p:txBody>
+          <a:bodyPr>
+            <a:normAutofit/>
+          </a:bodyPr>
+          <a:lstStyle/>
+          <a:p>
+            <a:endParaRPr lang="en-US"/>
+          </a:p>
+        </p:txBody>
+      </p:sp>
+      <p:sp>
+        <p:nvSpPr>
+          <p:cNvPr id="4" name="Slide Number Placeholder 3"/>
+          <p:cNvSpPr>
+            <a:spLocks noGrp="1"/>
+          </p:cNvSpPr>
+          <p:nvPr>
+            <p:ph type="sldNum" sz="quarter" idx="10"/>
+          </p:nvPr>
+        </p:nvSpPr>
+        <p:spPr/>
+        <p:txBody>
+          <a:bodyPr/>
+          <a:lstStyle/>
+          <a:p>
+            <a:pPr>
+              <a:defRPr/>
+            </a:pPr>
+            <a:fld id="{9AF68C97-DBEA-40B2-91B6-F690EAC6BBD6}" type="slidenum">
+              <a:rPr lang="en-US" smtClean="0"/>
+              <a:pPr>
+                <a:defRPr/>
+              </a:pPr>
+              <a:t>33</a:t>
+            </a:fld>
+            <a:endParaRPr lang="en-US"/>
+          </a:p>
+        </p:txBody>
+      </p:sp>
+    </p:spTree>
+  </p:cSld>
+  <p:clrMapOvr>
+    <a:masterClrMapping/>
+  </p:clrMapOvr>
+</p:notes>
+</file>
+
+<file path=ppt/notesSlides/notesSlide34.xml><?xml version="1.0" encoding="utf-8"?>
+<p:notes xmlns:a="http://schemas.openxmlformats.org/drawingml/2006/main" xmlns:r="http://schemas.openxmlformats.org/officeDocument/2006/relationships" xmlns:p="http://schemas.openxmlformats.org/presentationml/2006/main">
+  <p:cSld>
+    <p:spTree>
+      <p:nvGrpSpPr>
+        <p:cNvPr id="1" name=""/>
+        <p:cNvGrpSpPr/>
+        <p:nvPr/>
+      </p:nvGrpSpPr>
+      <p:grpSpPr>
+        <a:xfrm>
+          <a:off x="0" y="0"/>
+          <a:ext cx="0" cy="0"/>
+          <a:chOff x="0" y="0"/>
+          <a:chExt cx="0" cy="0"/>
+        </a:xfrm>
+      </p:grpSpPr>
+      <p:sp>
+        <p:nvSpPr>
+          <p:cNvPr id="2" name="Slide Image Placeholder 1"/>
+          <p:cNvSpPr>
+            <a:spLocks noGrp="1" noRot="1" noChangeAspect="1"/>
+          </p:cNvSpPr>
+          <p:nvPr>
+            <p:ph type="sldImg"/>
+          </p:nvPr>
+        </p:nvSpPr>
+        <p:spPr/>
+      </p:sp>
+      <p:sp>
+        <p:nvSpPr>
+          <p:cNvPr id="3" name="Notes Placeholder 2"/>
+          <p:cNvSpPr>
+            <a:spLocks noGrp="1"/>
+          </p:cNvSpPr>
+          <p:nvPr>
+            <p:ph type="body" idx="1"/>
+          </p:nvPr>
+        </p:nvSpPr>
+        <p:spPr/>
+        <p:txBody>
+          <a:bodyPr>
+            <a:normAutofit/>
+          </a:bodyPr>
+          <a:lstStyle/>
+          <a:p>
+            <a:endParaRPr lang="en-US"/>
+          </a:p>
+        </p:txBody>
+      </p:sp>
+      <p:sp>
+        <p:nvSpPr>
+          <p:cNvPr id="4" name="Slide Number Placeholder 3"/>
+          <p:cNvSpPr>
+            <a:spLocks noGrp="1"/>
+          </p:cNvSpPr>
+          <p:nvPr>
+            <p:ph type="sldNum" sz="quarter" idx="10"/>
+          </p:nvPr>
+        </p:nvSpPr>
+        <p:spPr/>
+        <p:txBody>
+          <a:bodyPr/>
+          <a:lstStyle/>
+          <a:p>
+            <a:pPr>
+              <a:defRPr/>
+            </a:pPr>
+            <a:fld id="{9AF68C97-DBEA-40B2-91B6-F690EAC6BBD6}" type="slidenum">
+              <a:rPr lang="en-US" smtClean="0"/>
+              <a:pPr>
+                <a:defRPr/>
+              </a:pPr>
+              <a:t>34</a:t>
+            </a:fld>
+            <a:endParaRPr lang="en-US"/>
+          </a:p>
+        </p:txBody>
+      </p:sp>
+    </p:spTree>
+  </p:cSld>
+  <p:clrMapOvr>
+    <a:masterClrMapping/>
+  </p:clrMapOvr>
+</p:notes>
+</file>
+
+<file path=ppt/notesSlides/notesSlide35.xml><?xml version="1.0" encoding="utf-8"?>
+<p:notes xmlns:a="http://schemas.openxmlformats.org/drawingml/2006/main" xmlns:r="http://schemas.openxmlformats.org/officeDocument/2006/relationships" xmlns:p="http://schemas.openxmlformats.org/presentationml/2006/main">
+  <p:cSld>
+    <p:spTree>
+      <p:nvGrpSpPr>
+        <p:cNvPr id="1" name=""/>
+        <p:cNvGrpSpPr/>
+        <p:nvPr/>
+      </p:nvGrpSpPr>
+      <p:grpSpPr>
+        <a:xfrm>
+          <a:off x="0" y="0"/>
+          <a:ext cx="0" cy="0"/>
+          <a:chOff x="0" y="0"/>
+          <a:chExt cx="0" cy="0"/>
+        </a:xfrm>
+      </p:grpSpPr>
+      <p:sp>
+        <p:nvSpPr>
+          <p:cNvPr id="2" name="Slide Image Placeholder 1"/>
+          <p:cNvSpPr>
+            <a:spLocks noGrp="1" noRot="1" noChangeAspect="1"/>
+          </p:cNvSpPr>
+          <p:nvPr>
+            <p:ph type="sldImg"/>
+          </p:nvPr>
+        </p:nvSpPr>
+        <p:spPr/>
+      </p:sp>
+      <p:sp>
+        <p:nvSpPr>
+          <p:cNvPr id="3" name="Notes Placeholder 2"/>
+          <p:cNvSpPr>
+            <a:spLocks noGrp="1"/>
+          </p:cNvSpPr>
+          <p:nvPr>
+            <p:ph type="body" idx="1"/>
+          </p:nvPr>
+        </p:nvSpPr>
+        <p:spPr/>
+        <p:txBody>
+          <a:bodyPr>
+            <a:normAutofit/>
+          </a:bodyPr>
+          <a:lstStyle/>
+          <a:p>
+            <a:endParaRPr lang="en-US"/>
+          </a:p>
+        </p:txBody>
+      </p:sp>
+      <p:sp>
+        <p:nvSpPr>
+          <p:cNvPr id="4" name="Slide Number Placeholder 3"/>
+          <p:cNvSpPr>
+            <a:spLocks noGrp="1"/>
+          </p:cNvSpPr>
+          <p:nvPr>
+            <p:ph type="sldNum" sz="quarter" idx="10"/>
+          </p:nvPr>
+        </p:nvSpPr>
+        <p:spPr/>
+        <p:txBody>
+          <a:bodyPr/>
+          <a:lstStyle/>
+          <a:p>
+            <a:pPr>
+              <a:defRPr/>
+            </a:pPr>
+            <a:fld id="{9AF68C97-DBEA-40B2-91B6-F690EAC6BBD6}" type="slidenum">
+              <a:rPr lang="en-US" smtClean="0"/>
+              <a:pPr>
+                <a:defRPr/>
+              </a:pPr>
+              <a:t>35</a:t>
+            </a:fld>
+            <a:endParaRPr lang="en-US"/>
+          </a:p>
+        </p:txBody>
+      </p:sp>
+    </p:spTree>
+  </p:cSld>
+  <p:clrMapOvr>
+    <a:masterClrMapping/>
+  </p:clrMapOvr>
+</p:notes>
+</file>
+
+<file path=ppt/notesSlides/notesSlide36.xml><?xml version="1.0" encoding="utf-8"?>
+<p:notes xmlns:a="http://schemas.openxmlformats.org/drawingml/2006/main" xmlns:r="http://schemas.openxmlformats.org/officeDocument/2006/relationships" xmlns:p="http://schemas.openxmlformats.org/presentationml/2006/main">
+  <p:cSld>
+    <p:spTree>
+      <p:nvGrpSpPr>
+        <p:cNvPr id="1" name=""/>
+        <p:cNvGrpSpPr/>
+        <p:nvPr/>
+      </p:nvGrpSpPr>
+      <p:grpSpPr>
+        <a:xfrm>
+          <a:off x="0" y="0"/>
+          <a:ext cx="0" cy="0"/>
+          <a:chOff x="0" y="0"/>
+          <a:chExt cx="0" cy="0"/>
+        </a:xfrm>
+      </p:grpSpPr>
+      <p:sp>
+        <p:nvSpPr>
+          <p:cNvPr id="2" name="Slide Image Placeholder 1"/>
+          <p:cNvSpPr>
+            <a:spLocks noGrp="1" noRot="1" noChangeAspect="1"/>
+          </p:cNvSpPr>
+          <p:nvPr>
+            <p:ph type="sldImg"/>
+          </p:nvPr>
+        </p:nvSpPr>
+        <p:spPr/>
+      </p:sp>
+      <p:sp>
+        <p:nvSpPr>
+          <p:cNvPr id="3" name="Notes Placeholder 2"/>
+          <p:cNvSpPr>
+            <a:spLocks noGrp="1"/>
+          </p:cNvSpPr>
+          <p:nvPr>
+            <p:ph type="body" idx="1"/>
+          </p:nvPr>
+        </p:nvSpPr>
+        <p:spPr/>
+        <p:txBody>
+          <a:bodyPr>
+            <a:normAutofit/>
+          </a:bodyPr>
+          <a:lstStyle/>
+          <a:p>
+            <a:endParaRPr lang="en-US"/>
+          </a:p>
+        </p:txBody>
+      </p:sp>
+      <p:sp>
+        <p:nvSpPr>
+          <p:cNvPr id="4" name="Slide Number Placeholder 3"/>
+          <p:cNvSpPr>
+            <a:spLocks noGrp="1"/>
+          </p:cNvSpPr>
+          <p:nvPr>
+            <p:ph type="sldNum" sz="quarter" idx="10"/>
+          </p:nvPr>
+        </p:nvSpPr>
+        <p:spPr/>
+        <p:txBody>
+          <a:bodyPr/>
+          <a:lstStyle/>
+          <a:p>
+            <a:pPr>
+              <a:defRPr/>
+            </a:pPr>
+            <a:fld id="{9AF68C97-DBEA-40B2-91B6-F690EAC6BBD6}" type="slidenum">
+              <a:rPr lang="en-US" smtClean="0"/>
+              <a:pPr>
+                <a:defRPr/>
+              </a:pPr>
+              <a:t>36</a:t>
+            </a:fld>
+            <a:endParaRPr lang="en-US"/>
+          </a:p>
+        </p:txBody>
+      </p:sp>
+    </p:spTree>
+  </p:cSld>
+  <p:clrMapOvr>
+    <a:masterClrMapping/>
+  </p:clrMapOvr>
+</p:notes>
+</file>
+
+<file path=ppt/notesSlides/notesSlide37.xml><?xml version="1.0" encoding="utf-8"?>
+<p:notes xmlns:a="http://schemas.openxmlformats.org/drawingml/2006/main" xmlns:r="http://schemas.openxmlformats.org/officeDocument/2006/relationships" xmlns:p="http://schemas.openxmlformats.org/presentationml/2006/main">
+  <p:cSld>
+    <p:spTree>
+      <p:nvGrpSpPr>
+        <p:cNvPr id="1" name=""/>
+        <p:cNvGrpSpPr/>
+        <p:nvPr/>
+      </p:nvGrpSpPr>
+      <p:grpSpPr>
+        <a:xfrm>
+          <a:off x="0" y="0"/>
+          <a:ext cx="0" cy="0"/>
+          <a:chOff x="0" y="0"/>
+          <a:chExt cx="0" cy="0"/>
+        </a:xfrm>
+      </p:grpSpPr>
+      <p:sp>
+        <p:nvSpPr>
+          <p:cNvPr id="2" name="Slide Image Placeholder 1"/>
+          <p:cNvSpPr>
+            <a:spLocks noGrp="1" noRot="1" noChangeAspect="1"/>
+          </p:cNvSpPr>
+          <p:nvPr>
+            <p:ph type="sldImg"/>
+          </p:nvPr>
+        </p:nvSpPr>
+        <p:spPr/>
+      </p:sp>
+      <p:sp>
+        <p:nvSpPr>
+          <p:cNvPr id="3" name="Notes Placeholder 2"/>
+          <p:cNvSpPr>
+            <a:spLocks noGrp="1"/>
+          </p:cNvSpPr>
+          <p:nvPr>
+            <p:ph type="body" idx="1"/>
+          </p:nvPr>
+        </p:nvSpPr>
+        <p:spPr/>
+        <p:txBody>
+          <a:bodyPr>
+            <a:normAutofit/>
+          </a:bodyPr>
+          <a:lstStyle/>
+          <a:p>
+            <a:endParaRPr lang="en-US"/>
+          </a:p>
+        </p:txBody>
+      </p:sp>
+      <p:sp>
+        <p:nvSpPr>
+          <p:cNvPr id="4" name="Slide Number Placeholder 3"/>
+          <p:cNvSpPr>
+            <a:spLocks noGrp="1"/>
+          </p:cNvSpPr>
+          <p:nvPr>
+            <p:ph type="sldNum" sz="quarter" idx="10"/>
+          </p:nvPr>
+        </p:nvSpPr>
+        <p:spPr/>
+        <p:txBody>
+          <a:bodyPr/>
+          <a:lstStyle/>
+          <a:p>
+            <a:pPr>
+              <a:defRPr/>
+            </a:pPr>
+            <a:fld id="{9AF68C97-DBEA-40B2-91B6-F690EAC6BBD6}" type="slidenum">
+              <a:rPr lang="en-US" smtClean="0"/>
+              <a:pPr>
+                <a:defRPr/>
+              </a:pPr>
+              <a:t>37</a:t>
+            </a:fld>
+            <a:endParaRPr lang="en-US"/>
+          </a:p>
+        </p:txBody>
+      </p:sp>
+    </p:spTree>
+  </p:cSld>
+  <p:clrMapOvr>
+    <a:masterClrMapping/>
+  </p:clrMapOvr>
+</p:notes>
+</file>
+
+<file path=ppt/notesSlides/notesSlide38.xml><?xml version="1.0" encoding="utf-8"?>
+<p:notes xmlns:a="http://schemas.openxmlformats.org/drawingml/2006/main" xmlns:r="http://schemas.openxmlformats.org/officeDocument/2006/relationships" xmlns:p="http://schemas.openxmlformats.org/presentationml/2006/main">
+  <p:cSld>
+    <p:spTree>
+      <p:nvGrpSpPr>
+        <p:cNvPr id="1" name=""/>
+        <p:cNvGrpSpPr/>
+        <p:nvPr/>
+      </p:nvGrpSpPr>
+      <p:grpSpPr>
+        <a:xfrm>
+          <a:off x="0" y="0"/>
+          <a:ext cx="0" cy="0"/>
+          <a:chOff x="0" y="0"/>
+          <a:chExt cx="0" cy="0"/>
+        </a:xfrm>
+      </p:grpSpPr>
+      <p:sp>
+        <p:nvSpPr>
+          <p:cNvPr id="116738" name="Slide Image Placeholder 1"/>
+          <p:cNvSpPr>
+            <a:spLocks noGrp="1" noRot="1" noChangeAspect="1" noTextEdit="1"/>
+          </p:cNvSpPr>
+          <p:nvPr>
+            <p:ph type="sldImg"/>
+          </p:nvPr>
+        </p:nvSpPr>
+        <p:spPr>
+          <a:ln/>
+        </p:spPr>
+      </p:sp>
+      <p:sp>
+        <p:nvSpPr>
+          <p:cNvPr id="116739" name="Notes Placeholder 2"/>
+          <p:cNvSpPr>
+            <a:spLocks noGrp="1"/>
+          </p:cNvSpPr>
+          <p:nvPr>
+            <p:ph type="body" idx="1"/>
+          </p:nvPr>
+        </p:nvSpPr>
+        <p:spPr>
+          <a:noFill/>
+          <a:ln/>
+        </p:spPr>
+        <p:txBody>
+          <a:bodyPr/>
+          <a:lstStyle/>
+          <a:p>
+            <a:r>
+              <a:rPr lang="en-US" dirty="0" smtClean="0">
+                <a:latin typeface="Arial" pitchFamily="34" charset="0"/>
+              </a:rPr>
+              <a:t>NEW</a:t>
+            </a:r>
+          </a:p>
+          <a:p>
+            <a:endParaRPr lang="en-US" dirty="0" smtClean="0">
+              <a:latin typeface="Arial" pitchFamily="34" charset="0"/>
+            </a:endParaRPr>
+          </a:p>
+        </p:txBody>
+      </p:sp>
+      <p:sp>
+        <p:nvSpPr>
+          <p:cNvPr id="116740" name="Slide Number Placeholder 3"/>
+          <p:cNvSpPr>
+            <a:spLocks noGrp="1"/>
+          </p:cNvSpPr>
+          <p:nvPr>
+            <p:ph type="sldNum" sz="quarter" idx="5"/>
+          </p:nvPr>
+        </p:nvSpPr>
+        <p:spPr>
+          <a:noFill/>
+        </p:spPr>
+        <p:txBody>
+          <a:bodyPr/>
+          <a:lstStyle/>
+          <a:p>
+            <a:pPr defTabSz="909638"/>
+            <a:fld id="{A9C92054-1BD5-4B92-94B7-517672C0FAF0}" type="slidenum">
+              <a:rPr lang="en-US" smtClean="0">
+                <a:solidFill>
+                  <a:srgbClr val="000000"/>
+                </a:solidFill>
+                <a:latin typeface="Arial" pitchFamily="34" charset="0"/>
+              </a:rPr>
+              <a:pPr defTabSz="909638"/>
+              <a:t>38</a:t>
+            </a:fld>
+            <a:endParaRPr lang="en-US" dirty="0" smtClean="0">
+              <a:solidFill>
+                <a:srgbClr val="000000"/>
+              </a:solidFill>
+              <a:latin typeface="Arial" pitchFamily="34" charset="0"/>
+            </a:endParaRPr>
+          </a:p>
+        </p:txBody>
+      </p:sp>
+    </p:spTree>
+  </p:cSld>
+  <p:clrMapOvr>
+    <a:masterClrMapping/>
+  </p:clrMapOvr>
+</p:notes>
+</file>
+
+<file path=ppt/notesSlides/notesSlide39.xml><?xml version="1.0" encoding="utf-8"?>
+<p:notes xmlns:a="http://schemas.openxmlformats.org/drawingml/2006/main" xmlns:r="http://schemas.openxmlformats.org/officeDocument/2006/relationships" xmlns:p="http://schemas.openxmlformats.org/presentationml/2006/main">
+  <p:cSld>
+    <p:spTree>
+      <p:nvGrpSpPr>
+        <p:cNvPr id="1" name=""/>
+        <p:cNvGrpSpPr/>
+        <p:nvPr/>
+      </p:nvGrpSpPr>
+      <p:grpSpPr>
+        <a:xfrm>
+          <a:off x="0" y="0"/>
+          <a:ext cx="0" cy="0"/>
+          <a:chOff x="0" y="0"/>
+          <a:chExt cx="0" cy="0"/>
+        </a:xfrm>
+      </p:grpSpPr>
+      <p:sp>
+        <p:nvSpPr>
+          <p:cNvPr id="56322" name="Rectangle 5"/>
+          <p:cNvSpPr>
+            <a:spLocks noGrp="1" noChangeArrowheads="1"/>
+          </p:cNvSpPr>
+          <p:nvPr>
+            <p:ph type="sldNum" sz="quarter" idx="5"/>
+          </p:nvPr>
+        </p:nvSpPr>
+        <p:spPr>
+          <a:noFill/>
+        </p:spPr>
+        <p:txBody>
+          <a:bodyPr/>
+          <a:lstStyle/>
+          <a:p>
+            <a:fld id="{8FF64B04-1992-4103-8674-0CC1B4BCFB3D}" type="slidenum">
+              <a:rPr lang="en-US" smtClean="0"/>
+              <a:pPr/>
+              <a:t>39</a:t>
+            </a:fld>
+            <a:endParaRPr lang="en-US" smtClean="0"/>
+          </a:p>
+        </p:txBody>
+      </p:sp>
+      <p:sp>
+        <p:nvSpPr>
+          <p:cNvPr id="56323" name="Rectangle 2"/>
+          <p:cNvSpPr>
+            <a:spLocks noGrp="1" noRot="1" noChangeAspect="1" noChangeArrowheads="1" noTextEdit="1"/>
+          </p:cNvSpPr>
+          <p:nvPr>
+            <p:ph type="sldImg"/>
+          </p:nvPr>
+        </p:nvSpPr>
+        <p:spPr>
+          <a:ln cap="flat"/>
+        </p:spPr>
+      </p:sp>
+      <p:sp>
+        <p:nvSpPr>
+          <p:cNvPr id="56324" name="Rectangle 3"/>
+          <p:cNvSpPr>
+            <a:spLocks noGrp="1" noChangeArrowheads="1"/>
+          </p:cNvSpPr>
+          <p:nvPr>
+            <p:ph type="body" idx="1"/>
+          </p:nvPr>
+        </p:nvSpPr>
+        <p:spPr>
+          <a:noFill/>
+          <a:ln/>
+        </p:spPr>
+        <p:txBody>
+          <a:bodyPr/>
+          <a:lstStyle/>
+          <a:p>
+            <a:endParaRPr lang="en-US" smtClean="0"/>
           </a:p>
         </p:txBody>
       </p:sp>
@@ -2849,7 +4678,7 @@
             <a:fld id="{AEF89BD6-E300-4C67-B175-76E5828D27B4}" type="datetimeFigureOut">
               <a:rPr lang="en-US" smtClean="0"/>
               <a:pPr/>
-              <a:t>8/2/2012</a:t>
+              <a:t>9/14/2012</a:t>
             </a:fld>
             <a:endParaRPr lang="en-US"/>
           </a:p>
@@ -3040,7 +4869,7 @@
             <a:fld id="{AEF89BD6-E300-4C67-B175-76E5828D27B4}" type="datetimeFigureOut">
               <a:rPr lang="en-US" smtClean="0"/>
               <a:pPr/>
-              <a:t>8/2/2012</a:t>
+              <a:t>9/14/2012</a:t>
             </a:fld>
             <a:endParaRPr lang="en-US"/>
           </a:p>
@@ -3961,7 +5790,6 @@
               <a:rPr lang="en-US" dirty="0" smtClean="0"/>
               <a:t>IPC Services - Notify</a:t>
             </a:r>
-            <a:endParaRPr lang="en-US" dirty="0" smtClean="0"/>
           </a:p>
         </p:txBody>
       </p:sp>
@@ -3993,7 +5821,6 @@
               <a:rPr lang="en-US" dirty="0" smtClean="0"/>
               <a:t>Basic Concepts </a:t>
             </a:r>
-            <a:endParaRPr lang="en-US" dirty="0" smtClean="0"/>
           </a:p>
           <a:p>
             <a:pPr eaLnBrk="1" hangingPunct="1"/>
@@ -4029,7 +5856,6 @@
               <a:rPr lang="en-US" dirty="0" smtClean="0"/>
               <a:t>Support Utilities</a:t>
             </a:r>
-            <a:endParaRPr lang="en-US" dirty="0" smtClean="0"/>
           </a:p>
           <a:p>
             <a:pPr eaLnBrk="1" hangingPunct="1"/>
@@ -4044,7 +5870,6 @@
               <a:rPr lang="en-US" dirty="0" smtClean="0"/>
               <a:t>IPC Transports</a:t>
             </a:r>
-            <a:endParaRPr lang="en-US" dirty="0" smtClean="0"/>
           </a:p>
           <a:p>
             <a:pPr eaLnBrk="1" hangingPunct="1"/>
@@ -4052,7 +5877,6 @@
               <a:rPr lang="en-US" dirty="0" smtClean="0"/>
               <a:t>Lab or Demo</a:t>
             </a:r>
-            <a:endParaRPr lang="en-US" dirty="0" smtClean="0"/>
           </a:p>
         </p:txBody>
       </p:sp>
@@ -7064,17 +8888,8 @@
             <a:pPr eaLnBrk="1" hangingPunct="1"/>
             <a:r>
               <a:rPr lang="en-US" dirty="0" smtClean="0"/>
-              <a:t>IPC Services </a:t>
-            </a:r>
-            <a:r>
-              <a:rPr lang="en-US" dirty="0" smtClean="0"/>
-              <a:t>- Data </a:t>
-            </a:r>
-            <a:r>
-              <a:rPr lang="en-US" dirty="0" smtClean="0"/>
-              <a:t>Passing</a:t>
-            </a:r>
-            <a:endParaRPr lang="en-US" dirty="0" smtClean="0"/>
+              <a:t>IPC Services - Data Passing</a:t>
+            </a:r>
           </a:p>
         </p:txBody>
       </p:sp>
@@ -7106,7 +8921,6 @@
               <a:rPr lang="en-US" dirty="0" smtClean="0"/>
               <a:t>Basic Concepts </a:t>
             </a:r>
-            <a:endParaRPr lang="en-US" dirty="0" smtClean="0"/>
           </a:p>
           <a:p>
             <a:pPr eaLnBrk="1" hangingPunct="1"/>
@@ -7142,7 +8956,6 @@
               <a:rPr lang="en-US" dirty="0" smtClean="0"/>
               <a:t>Support Utilities</a:t>
             </a:r>
-            <a:endParaRPr lang="en-US" dirty="0" smtClean="0"/>
           </a:p>
           <a:p>
             <a:pPr eaLnBrk="1" hangingPunct="1"/>
@@ -7157,7 +8970,6 @@
               <a:rPr lang="en-US" dirty="0" smtClean="0"/>
               <a:t>IPC Transports</a:t>
             </a:r>
-            <a:endParaRPr lang="en-US" dirty="0" smtClean="0"/>
           </a:p>
           <a:p>
             <a:pPr eaLnBrk="1" hangingPunct="1"/>
@@ -7165,7 +8977,6 @@
               <a:rPr lang="en-US" dirty="0" smtClean="0"/>
               <a:t>Lab or Demo</a:t>
             </a:r>
-            <a:endParaRPr lang="en-US" dirty="0" smtClean="0"/>
           </a:p>
         </p:txBody>
       </p:sp>
@@ -11225,13 +13036,8 @@
             <a:pPr eaLnBrk="1" hangingPunct="1"/>
             <a:r>
               <a:rPr lang="en-US" dirty="0" smtClean="0"/>
-              <a:t>IPC Services </a:t>
-            </a:r>
-            <a:r>
-              <a:rPr lang="en-US" dirty="0" smtClean="0"/>
-              <a:t>– Message Queue</a:t>
-            </a:r>
-            <a:endParaRPr lang="en-US" dirty="0" smtClean="0"/>
+              <a:t>IPC Services – Message Queue</a:t>
+            </a:r>
           </a:p>
         </p:txBody>
       </p:sp>
@@ -11263,7 +13069,6 @@
               <a:rPr lang="en-US" dirty="0" smtClean="0"/>
               <a:t>Basic Concepts </a:t>
             </a:r>
-            <a:endParaRPr lang="en-US" dirty="0" smtClean="0"/>
           </a:p>
           <a:p>
             <a:pPr eaLnBrk="1" hangingPunct="1"/>
@@ -11299,7 +13104,6 @@
               <a:rPr lang="en-US" dirty="0" smtClean="0"/>
               <a:t>Support Utilities</a:t>
             </a:r>
-            <a:endParaRPr lang="en-US" dirty="0" smtClean="0"/>
           </a:p>
           <a:p>
             <a:pPr eaLnBrk="1" hangingPunct="1"/>
@@ -11314,7 +13118,6 @@
               <a:rPr lang="en-US" dirty="0" smtClean="0"/>
               <a:t>IPC Transports</a:t>
             </a:r>
-            <a:endParaRPr lang="en-US" dirty="0" smtClean="0"/>
           </a:p>
           <a:p>
             <a:pPr eaLnBrk="1" hangingPunct="1"/>
@@ -11322,7 +13125,6 @@
               <a:rPr lang="en-US" dirty="0" smtClean="0"/>
               <a:t>Lab or Demo</a:t>
             </a:r>
-            <a:endParaRPr lang="en-US" dirty="0" smtClean="0"/>
           </a:p>
         </p:txBody>
       </p:sp>
@@ -13485,7 +15287,6 @@
               <a:rPr lang="en-US" dirty="0" smtClean="0"/>
               <a:t>Agenda</a:t>
             </a:r>
-            <a:endParaRPr lang="en-US" dirty="0" smtClean="0"/>
           </a:p>
         </p:txBody>
       </p:sp>
@@ -13517,7 +15318,6 @@
               <a:rPr lang="en-US" b="1" dirty="0" smtClean="0"/>
               <a:t>Basic Concepts </a:t>
             </a:r>
-            <a:endParaRPr lang="en-US" b="1" dirty="0" smtClean="0"/>
           </a:p>
           <a:p>
             <a:pPr eaLnBrk="1" hangingPunct="1"/>
@@ -13525,7 +15325,6 @@
               <a:rPr lang="en-US" dirty="0" smtClean="0"/>
               <a:t>IPC Services</a:t>
             </a:r>
-            <a:endParaRPr lang="en-US" dirty="0" smtClean="0"/>
           </a:p>
           <a:p>
             <a:pPr eaLnBrk="1" hangingPunct="1"/>
@@ -13533,7 +15332,6 @@
               <a:rPr lang="en-US" dirty="0" smtClean="0"/>
               <a:t>Setup and Examples</a:t>
             </a:r>
-            <a:endParaRPr lang="en-US" dirty="0" smtClean="0"/>
           </a:p>
           <a:p>
             <a:pPr eaLnBrk="1" hangingPunct="1"/>
@@ -13541,7 +15339,6 @@
               <a:rPr lang="en-US" dirty="0" smtClean="0"/>
               <a:t>IPC Transports</a:t>
             </a:r>
-            <a:endParaRPr lang="en-US" dirty="0" smtClean="0"/>
           </a:p>
           <a:p>
             <a:pPr eaLnBrk="1" hangingPunct="1"/>
@@ -13549,7 +15346,6 @@
               <a:rPr lang="en-US" dirty="0" smtClean="0"/>
               <a:t>Lab or Demo</a:t>
             </a:r>
-            <a:endParaRPr lang="en-US" dirty="0" smtClean="0"/>
           </a:p>
         </p:txBody>
       </p:sp>
@@ -22562,7 +24358,7 @@
           <p:nvPr/>
         </p:nvPicPr>
         <p:blipFill>
-          <a:blip r:embed="rId2" cstate="print"/>
+          <a:blip r:embed="rId3" cstate="print"/>
           <a:srcRect/>
           <a:stretch>
             <a:fillRect/>
@@ -22684,13 +24480,8 @@
             <a:pPr eaLnBrk="1" hangingPunct="1"/>
             <a:r>
               <a:rPr lang="en-US" dirty="0" smtClean="0"/>
-              <a:t>IPC Services </a:t>
-            </a:r>
-            <a:r>
-              <a:rPr lang="en-US" dirty="0" smtClean="0"/>
-              <a:t>– Support Utilities</a:t>
-            </a:r>
-            <a:endParaRPr lang="en-US" dirty="0" smtClean="0"/>
+              <a:t>IPC Services – Support Utilities</a:t>
+            </a:r>
           </a:p>
         </p:txBody>
       </p:sp>
@@ -22722,7 +24513,6 @@
               <a:rPr lang="en-US" dirty="0" smtClean="0"/>
               <a:t>Basic Concepts </a:t>
             </a:r>
-            <a:endParaRPr lang="en-US" dirty="0" smtClean="0"/>
           </a:p>
           <a:p>
             <a:pPr eaLnBrk="1" hangingPunct="1"/>
@@ -22758,7 +24548,6 @@
               <a:rPr lang="en-US" b="1" dirty="0" smtClean="0"/>
               <a:t>Support Utilities</a:t>
             </a:r>
-            <a:endParaRPr lang="en-US" b="1" dirty="0" smtClean="0"/>
           </a:p>
           <a:p>
             <a:pPr eaLnBrk="1" hangingPunct="1"/>
@@ -22773,7 +24562,6 @@
               <a:rPr lang="en-US" dirty="0" smtClean="0"/>
               <a:t>IPC Transports</a:t>
             </a:r>
-            <a:endParaRPr lang="en-US" dirty="0" smtClean="0"/>
           </a:p>
           <a:p>
             <a:pPr eaLnBrk="1" hangingPunct="1"/>
@@ -22781,7 +24569,6 @@
               <a:rPr lang="en-US" dirty="0" smtClean="0"/>
               <a:t>Lab or Demo</a:t>
             </a:r>
-            <a:endParaRPr lang="en-US" dirty="0" smtClean="0"/>
           </a:p>
         </p:txBody>
       </p:sp>
@@ -24412,7 +26199,6 @@
               <a:rPr lang="en-US" dirty="0" smtClean="0"/>
               <a:t>Basic Concepts </a:t>
             </a:r>
-            <a:endParaRPr lang="en-US" dirty="0" smtClean="0"/>
           </a:p>
           <a:p>
             <a:pPr eaLnBrk="1" hangingPunct="1"/>
@@ -24434,7 +26220,6 @@
               <a:rPr lang="en-US" dirty="0" smtClean="0"/>
               <a:t>IPC Transports</a:t>
             </a:r>
-            <a:endParaRPr lang="en-US" dirty="0" smtClean="0"/>
           </a:p>
           <a:p>
             <a:pPr eaLnBrk="1" hangingPunct="1"/>
@@ -24442,7 +26227,6 @@
               <a:rPr lang="en-US" dirty="0" smtClean="0"/>
               <a:t>Lab or Demo</a:t>
             </a:r>
-            <a:endParaRPr lang="en-US" dirty="0" smtClean="0"/>
           </a:p>
         </p:txBody>
       </p:sp>
@@ -24506,7 +26290,6 @@
               <a:rPr lang="en-US" dirty="0" smtClean="0"/>
               <a:t>Basic Concepts</a:t>
             </a:r>
-            <a:endParaRPr lang="en-US" dirty="0" smtClean="0"/>
           </a:p>
         </p:txBody>
       </p:sp>
@@ -24538,7 +26321,6 @@
               <a:rPr lang="en-US" b="1" dirty="0" smtClean="0"/>
               <a:t>Basic Concepts </a:t>
             </a:r>
-            <a:endParaRPr lang="en-US" b="1" dirty="0" smtClean="0"/>
           </a:p>
           <a:p>
             <a:pPr eaLnBrk="1" hangingPunct="1"/>
@@ -24546,7 +26328,6 @@
               <a:rPr lang="en-US" dirty="0" smtClean="0"/>
               <a:t>IPC Services</a:t>
             </a:r>
-            <a:endParaRPr lang="en-US" dirty="0" smtClean="0"/>
           </a:p>
           <a:p>
             <a:pPr eaLnBrk="1" hangingPunct="1"/>
@@ -24554,7 +26335,6 @@
               <a:rPr lang="en-US" dirty="0" smtClean="0"/>
               <a:t>Setup and Examples</a:t>
             </a:r>
-            <a:endParaRPr lang="en-US" dirty="0" smtClean="0"/>
           </a:p>
           <a:p>
             <a:pPr eaLnBrk="1" hangingPunct="1"/>
@@ -24562,7 +26342,6 @@
               <a:rPr lang="en-US" dirty="0" smtClean="0"/>
               <a:t>IPC Transports</a:t>
             </a:r>
-            <a:endParaRPr lang="en-US" dirty="0" smtClean="0"/>
           </a:p>
           <a:p>
             <a:pPr eaLnBrk="1" hangingPunct="1"/>
@@ -24570,7 +26349,6 @@
               <a:rPr lang="en-US" dirty="0" smtClean="0"/>
               <a:t>Lab or Demo</a:t>
             </a:r>
-            <a:endParaRPr lang="en-US" dirty="0" smtClean="0"/>
           </a:p>
         </p:txBody>
       </p:sp>
@@ -24800,7 +26578,7 @@
           <p:nvPr/>
         </p:nvPicPr>
         <p:blipFill>
-          <a:blip r:embed="rId2" cstate="print"/>
+          <a:blip r:embed="rId3" cstate="print"/>
           <a:srcRect/>
           <a:stretch>
             <a:fillRect/>
@@ -25449,7 +27227,7 @@
           <p:nvPr/>
         </p:nvPicPr>
         <p:blipFill>
-          <a:blip r:embed="rId2" cstate="print"/>
+          <a:blip r:embed="rId3" cstate="print"/>
           <a:srcRect/>
           <a:stretch>
             <a:fillRect/>
@@ -25865,7 +27643,6 @@
               <a:rPr lang="en-US" dirty="0" smtClean="0"/>
               <a:t>Basic Concepts </a:t>
             </a:r>
-            <a:endParaRPr lang="en-US" dirty="0" smtClean="0"/>
           </a:p>
           <a:p>
             <a:pPr eaLnBrk="1" hangingPunct="1"/>
@@ -25887,7 +27664,6 @@
               <a:rPr lang="en-US" b="1" dirty="0" smtClean="0"/>
               <a:t>IPC Transports</a:t>
             </a:r>
-            <a:endParaRPr lang="en-US" b="1" dirty="0" smtClean="0"/>
           </a:p>
           <a:p>
             <a:pPr eaLnBrk="1" hangingPunct="1"/>
@@ -25895,7 +27671,6 @@
               <a:rPr lang="en-US" dirty="0" smtClean="0"/>
               <a:t>Lab or Demo</a:t>
             </a:r>
-            <a:endParaRPr lang="en-US" dirty="0" smtClean="0"/>
           </a:p>
         </p:txBody>
       </p:sp>
@@ -28131,7 +29906,7 @@
           <p:nvPr/>
         </p:nvPicPr>
         <p:blipFill>
-          <a:blip r:embed="rId2" cstate="print"/>
+          <a:blip r:embed="rId3" cstate="print"/>
           <a:srcRect/>
           <a:stretch>
             <a:fillRect/>
@@ -29507,6 +31282,1238 @@
       </p:grpSpPr>
       <p:sp>
         <p:nvSpPr>
+          <p:cNvPr id="2" name="Title 1"/>
+          <p:cNvSpPr>
+            <a:spLocks noGrp="1"/>
+          </p:cNvSpPr>
+          <p:nvPr>
+            <p:ph type="title"/>
+          </p:nvPr>
+        </p:nvSpPr>
+        <p:spPr/>
+        <p:txBody>
+          <a:bodyPr/>
+          <a:lstStyle/>
+          <a:p>
+            <a:r>
+              <a:rPr lang="en-US" dirty="0" smtClean="0"/>
+              <a:t>IPC Transport </a:t>
+            </a:r>
+            <a:r>
+              <a:rPr lang="en-US" dirty="0" smtClean="0"/>
+              <a:t>Details</a:t>
+            </a:r>
+            <a:endParaRPr lang="en-US" dirty="0"/>
+          </a:p>
+        </p:txBody>
+      </p:sp>
+      <p:sp>
+        <p:nvSpPr>
+          <p:cNvPr id="4" name="TextBox 3"/>
+          <p:cNvSpPr txBox="1"/>
+          <p:nvPr/>
+        </p:nvSpPr>
+        <p:spPr>
+          <a:xfrm>
+            <a:off x="4160940" y="5089782"/>
+            <a:ext cx="4798503" cy="1415772"/>
+          </a:xfrm>
+          <a:prstGeom prst="rect">
+            <a:avLst/>
+          </a:prstGeom>
+          <a:noFill/>
+        </p:spPr>
+        <p:txBody>
+          <a:bodyPr wrap="square" rtlCol="0">
+            <a:spAutoFit/>
+          </a:bodyPr>
+          <a:lstStyle/>
+          <a:p>
+            <a:pPr algn="ctr"/>
+            <a:r>
+              <a:rPr lang="en-US" sz="1600" b="1" dirty="0" smtClean="0"/>
+              <a:t>Benchmark Details</a:t>
+            </a:r>
+          </a:p>
+          <a:p>
+            <a:pPr algn="l">
+              <a:buFont typeface="Arial" pitchFamily="34" charset="0"/>
+              <a:buChar char="•"/>
+            </a:pPr>
+            <a:r>
+              <a:rPr lang="en-US" sz="1400" dirty="0" smtClean="0"/>
+              <a:t>IPC Benchmark Examples from MCSDK</a:t>
+            </a:r>
+          </a:p>
+          <a:p>
+            <a:pPr algn="l">
+              <a:buFont typeface="Arial" pitchFamily="34" charset="0"/>
+              <a:buChar char="•"/>
+            </a:pPr>
+            <a:r>
+              <a:rPr lang="en-US" sz="1400" dirty="0" smtClean="0"/>
+              <a:t>CPU Clock – 1 GHz</a:t>
+            </a:r>
+          </a:p>
+          <a:p>
+            <a:pPr algn="l">
+              <a:buFont typeface="Arial" pitchFamily="34" charset="0"/>
+              <a:buChar char="•"/>
+            </a:pPr>
+            <a:r>
+              <a:rPr lang="en-US" sz="1400" dirty="0" smtClean="0"/>
+              <a:t>Header Size– 32 bytes</a:t>
+            </a:r>
+          </a:p>
+          <a:p>
+            <a:pPr algn="l">
+              <a:buFont typeface="Arial" pitchFamily="34" charset="0"/>
+              <a:buChar char="•"/>
+            </a:pPr>
+            <a:r>
+              <a:rPr lang="en-US" sz="1400" dirty="0" smtClean="0"/>
+              <a:t>SRIO – Loopback Mode</a:t>
+            </a:r>
+          </a:p>
+          <a:p>
+            <a:pPr algn="l">
+              <a:buFont typeface="Arial" pitchFamily="34" charset="0"/>
+              <a:buChar char="•"/>
+            </a:pPr>
+            <a:r>
+              <a:rPr lang="en-US" sz="1400" dirty="0" smtClean="0"/>
+              <a:t>Messages allocated up front</a:t>
+            </a:r>
+            <a:endParaRPr lang="en-US" sz="1800" dirty="0"/>
+          </a:p>
+        </p:txBody>
+      </p:sp>
+      <p:cxnSp>
+        <p:nvCxnSpPr>
+          <p:cNvPr id="6" name="Straight Connector 5"/>
+          <p:cNvCxnSpPr/>
+          <p:nvPr/>
+        </p:nvCxnSpPr>
+        <p:spPr bwMode="auto">
+          <a:xfrm>
+            <a:off x="906011" y="1979802"/>
+            <a:ext cx="7306811" cy="8389"/>
+          </a:xfrm>
+          <a:prstGeom prst="line">
+            <a:avLst/>
+          </a:prstGeom>
+          <a:solidFill>
+            <a:schemeClr val="accent1"/>
+          </a:solidFill>
+          <a:ln w="9525" cap="flat" cmpd="sng" algn="ctr">
+            <a:solidFill>
+              <a:schemeClr val="tx1"/>
+            </a:solidFill>
+            <a:prstDash val="solid"/>
+            <a:round/>
+            <a:headEnd type="none" w="med" len="med"/>
+            <a:tailEnd type="none" w="med" len="med"/>
+          </a:ln>
+          <a:effectLst/>
+        </p:spPr>
+      </p:cxnSp>
+      <p:cxnSp>
+        <p:nvCxnSpPr>
+          <p:cNvPr id="10" name="Straight Connector 9"/>
+          <p:cNvCxnSpPr/>
+          <p:nvPr/>
+        </p:nvCxnSpPr>
+        <p:spPr bwMode="auto">
+          <a:xfrm>
+            <a:off x="2726422" y="1468074"/>
+            <a:ext cx="0" cy="3540153"/>
+          </a:xfrm>
+          <a:prstGeom prst="line">
+            <a:avLst/>
+          </a:prstGeom>
+          <a:solidFill>
+            <a:schemeClr val="accent1"/>
+          </a:solidFill>
+          <a:ln w="9525" cap="flat" cmpd="sng" algn="ctr">
+            <a:solidFill>
+              <a:schemeClr val="tx1"/>
+            </a:solidFill>
+            <a:prstDash val="solid"/>
+            <a:round/>
+            <a:headEnd type="none" w="med" len="med"/>
+            <a:tailEnd type="none" w="med" len="med"/>
+          </a:ln>
+          <a:effectLst/>
+        </p:spPr>
+      </p:cxnSp>
+      <p:sp>
+        <p:nvSpPr>
+          <p:cNvPr id="11" name="TextBox 10"/>
+          <p:cNvSpPr txBox="1"/>
+          <p:nvPr/>
+        </p:nvSpPr>
+        <p:spPr>
+          <a:xfrm>
+            <a:off x="1007388" y="1667079"/>
+            <a:ext cx="1555233" cy="261610"/>
+          </a:xfrm>
+          <a:prstGeom prst="rect">
+            <a:avLst/>
+          </a:prstGeom>
+          <a:noFill/>
+        </p:spPr>
+        <p:txBody>
+          <a:bodyPr wrap="none" rtlCol="0">
+            <a:spAutoFit/>
+          </a:bodyPr>
+          <a:lstStyle/>
+          <a:p>
+            <a:r>
+              <a:rPr lang="en-US" sz="1100" dirty="0" smtClean="0"/>
+              <a:t>Message Size (Bytes)</a:t>
+            </a:r>
+            <a:endParaRPr lang="en-US" sz="1100" dirty="0"/>
+          </a:p>
+        </p:txBody>
+      </p:sp>
+      <p:cxnSp>
+        <p:nvCxnSpPr>
+          <p:cNvPr id="12" name="Straight Connector 11"/>
+          <p:cNvCxnSpPr/>
+          <p:nvPr/>
+        </p:nvCxnSpPr>
+        <p:spPr bwMode="auto">
+          <a:xfrm>
+            <a:off x="4112003" y="1461083"/>
+            <a:ext cx="0" cy="3538755"/>
+          </a:xfrm>
+          <a:prstGeom prst="line">
+            <a:avLst/>
+          </a:prstGeom>
+          <a:solidFill>
+            <a:schemeClr val="accent1"/>
+          </a:solidFill>
+          <a:ln w="9525" cap="flat" cmpd="sng" algn="ctr">
+            <a:solidFill>
+              <a:schemeClr val="tx1"/>
+            </a:solidFill>
+            <a:prstDash val="solid"/>
+            <a:round/>
+            <a:headEnd type="none" w="med" len="med"/>
+            <a:tailEnd type="none" w="med" len="med"/>
+          </a:ln>
+          <a:effectLst/>
+        </p:spPr>
+      </p:cxnSp>
+      <p:cxnSp>
+        <p:nvCxnSpPr>
+          <p:cNvPr id="13" name="Straight Connector 12"/>
+          <p:cNvCxnSpPr/>
+          <p:nvPr/>
+        </p:nvCxnSpPr>
+        <p:spPr bwMode="auto">
+          <a:xfrm>
+            <a:off x="5471020" y="1457458"/>
+            <a:ext cx="0" cy="3550769"/>
+          </a:xfrm>
+          <a:prstGeom prst="line">
+            <a:avLst/>
+          </a:prstGeom>
+          <a:solidFill>
+            <a:schemeClr val="accent1"/>
+          </a:solidFill>
+          <a:ln w="9525" cap="flat" cmpd="sng" algn="ctr">
+            <a:solidFill>
+              <a:schemeClr val="tx1"/>
+            </a:solidFill>
+            <a:prstDash val="solid"/>
+            <a:round/>
+            <a:headEnd type="none" w="med" len="med"/>
+            <a:tailEnd type="none" w="med" len="med"/>
+          </a:ln>
+          <a:effectLst/>
+        </p:spPr>
+      </p:cxnSp>
+      <p:cxnSp>
+        <p:nvCxnSpPr>
+          <p:cNvPr id="14" name="Straight Connector 13"/>
+          <p:cNvCxnSpPr/>
+          <p:nvPr/>
+        </p:nvCxnSpPr>
+        <p:spPr bwMode="auto">
+          <a:xfrm>
+            <a:off x="6856601" y="1450467"/>
+            <a:ext cx="0" cy="3557760"/>
+          </a:xfrm>
+          <a:prstGeom prst="line">
+            <a:avLst/>
+          </a:prstGeom>
+          <a:solidFill>
+            <a:schemeClr val="accent1"/>
+          </a:solidFill>
+          <a:ln w="9525" cap="flat" cmpd="sng" algn="ctr">
+            <a:solidFill>
+              <a:schemeClr val="tx1"/>
+            </a:solidFill>
+            <a:prstDash val="solid"/>
+            <a:round/>
+            <a:headEnd type="none" w="med" len="med"/>
+            <a:tailEnd type="none" w="med" len="med"/>
+          </a:ln>
+          <a:effectLst/>
+        </p:spPr>
+      </p:cxnSp>
+      <p:sp>
+        <p:nvSpPr>
+          <p:cNvPr id="15" name="TextBox 14"/>
+          <p:cNvSpPr txBox="1"/>
+          <p:nvPr/>
+        </p:nvSpPr>
+        <p:spPr>
+          <a:xfrm>
+            <a:off x="2935936" y="1333849"/>
+            <a:ext cx="951863" cy="584775"/>
+          </a:xfrm>
+          <a:prstGeom prst="rect">
+            <a:avLst/>
+          </a:prstGeom>
+          <a:noFill/>
+        </p:spPr>
+        <p:txBody>
+          <a:bodyPr wrap="none" rtlCol="0">
+            <a:spAutoFit/>
+          </a:bodyPr>
+          <a:lstStyle/>
+          <a:p>
+            <a:pPr algn="ctr"/>
+            <a:r>
+              <a:rPr lang="en-US" sz="1600" dirty="0" smtClean="0"/>
+              <a:t>Shared</a:t>
+            </a:r>
+          </a:p>
+          <a:p>
+            <a:r>
+              <a:rPr lang="en-US" sz="1600" dirty="0" smtClean="0"/>
+              <a:t>Memory</a:t>
+            </a:r>
+            <a:endParaRPr lang="en-US" sz="1600" dirty="0"/>
+          </a:p>
+        </p:txBody>
+      </p:sp>
+      <p:sp>
+        <p:nvSpPr>
+          <p:cNvPr id="16" name="TextBox 15"/>
+          <p:cNvSpPr txBox="1"/>
+          <p:nvPr/>
+        </p:nvSpPr>
+        <p:spPr>
+          <a:xfrm>
+            <a:off x="4233139" y="1310080"/>
+            <a:ext cx="1061509" cy="584775"/>
+          </a:xfrm>
+          <a:prstGeom prst="rect">
+            <a:avLst/>
+          </a:prstGeom>
+          <a:noFill/>
+        </p:spPr>
+        <p:txBody>
+          <a:bodyPr wrap="none" rtlCol="0">
+            <a:spAutoFit/>
+          </a:bodyPr>
+          <a:lstStyle/>
+          <a:p>
+            <a:pPr algn="ctr"/>
+            <a:r>
+              <a:rPr lang="en-US" sz="1600" dirty="0" smtClean="0"/>
+              <a:t>Multicore</a:t>
+            </a:r>
+          </a:p>
+          <a:p>
+            <a:pPr algn="ctr"/>
+            <a:r>
+              <a:rPr lang="en-US" sz="1600" dirty="0" smtClean="0"/>
+              <a:t>Navigator</a:t>
+            </a:r>
+            <a:endParaRPr lang="en-US" sz="1600" dirty="0"/>
+          </a:p>
+        </p:txBody>
+      </p:sp>
+      <p:sp>
+        <p:nvSpPr>
+          <p:cNvPr id="17" name="TextBox 16"/>
+          <p:cNvSpPr txBox="1"/>
+          <p:nvPr/>
+        </p:nvSpPr>
+        <p:spPr>
+          <a:xfrm>
+            <a:off x="5806272" y="1445701"/>
+            <a:ext cx="686406" cy="338554"/>
+          </a:xfrm>
+          <a:prstGeom prst="rect">
+            <a:avLst/>
+          </a:prstGeom>
+          <a:noFill/>
+        </p:spPr>
+        <p:txBody>
+          <a:bodyPr wrap="none" rtlCol="0">
+            <a:spAutoFit/>
+          </a:bodyPr>
+          <a:lstStyle/>
+          <a:p>
+            <a:pPr algn="ctr"/>
+            <a:r>
+              <a:rPr lang="en-US" sz="1600" dirty="0" smtClean="0"/>
+              <a:t>SRIO</a:t>
+            </a:r>
+            <a:endParaRPr lang="en-US" sz="1600" dirty="0"/>
+          </a:p>
+        </p:txBody>
+      </p:sp>
+      <p:cxnSp>
+        <p:nvCxnSpPr>
+          <p:cNvPr id="19" name="Straight Connector 18"/>
+          <p:cNvCxnSpPr/>
+          <p:nvPr/>
+        </p:nvCxnSpPr>
+        <p:spPr bwMode="auto">
+          <a:xfrm>
+            <a:off x="922789" y="2885813"/>
+            <a:ext cx="7315200" cy="16778"/>
+          </a:xfrm>
+          <a:prstGeom prst="line">
+            <a:avLst/>
+          </a:prstGeom>
+          <a:solidFill>
+            <a:schemeClr val="accent1"/>
+          </a:solidFill>
+          <a:ln w="9525" cap="flat" cmpd="sng" algn="ctr">
+            <a:solidFill>
+              <a:schemeClr val="tx1"/>
+            </a:solidFill>
+            <a:prstDash val="solid"/>
+            <a:round/>
+            <a:headEnd type="none" w="med" len="med"/>
+            <a:tailEnd type="none" w="med" len="med"/>
+          </a:ln>
+          <a:effectLst/>
+        </p:spPr>
+      </p:cxnSp>
+      <p:sp>
+        <p:nvSpPr>
+          <p:cNvPr id="20" name="TextBox 19"/>
+          <p:cNvSpPr txBox="1"/>
+          <p:nvPr/>
+        </p:nvSpPr>
+        <p:spPr>
+          <a:xfrm>
+            <a:off x="2742920" y="755009"/>
+            <a:ext cx="3557384" cy="461665"/>
+          </a:xfrm>
+          <a:prstGeom prst="rect">
+            <a:avLst/>
+          </a:prstGeom>
+          <a:noFill/>
+        </p:spPr>
+        <p:txBody>
+          <a:bodyPr wrap="none" rtlCol="0">
+            <a:spAutoFit/>
+          </a:bodyPr>
+          <a:lstStyle/>
+          <a:p>
+            <a:r>
+              <a:rPr lang="en-US" dirty="0" smtClean="0"/>
+              <a:t>Throughput (Mb/second)</a:t>
+            </a:r>
+            <a:endParaRPr lang="en-US" dirty="0"/>
+          </a:p>
+        </p:txBody>
+      </p:sp>
+      <p:sp>
+        <p:nvSpPr>
+          <p:cNvPr id="21" name="TextBox 20"/>
+          <p:cNvSpPr txBox="1"/>
+          <p:nvPr/>
+        </p:nvSpPr>
+        <p:spPr>
+          <a:xfrm>
+            <a:off x="1575758" y="2189526"/>
+            <a:ext cx="527709" cy="461665"/>
+          </a:xfrm>
+          <a:prstGeom prst="rect">
+            <a:avLst/>
+          </a:prstGeom>
+          <a:noFill/>
+        </p:spPr>
+        <p:txBody>
+          <a:bodyPr wrap="none" rtlCol="0">
+            <a:spAutoFit/>
+          </a:bodyPr>
+          <a:lstStyle/>
+          <a:p>
+            <a:r>
+              <a:rPr lang="en-US" dirty="0" smtClean="0"/>
+              <a:t>48</a:t>
+            </a:r>
+            <a:endParaRPr lang="en-US" dirty="0"/>
+          </a:p>
+        </p:txBody>
+      </p:sp>
+      <p:sp>
+        <p:nvSpPr>
+          <p:cNvPr id="22" name="TextBox 21"/>
+          <p:cNvSpPr txBox="1"/>
+          <p:nvPr/>
+        </p:nvSpPr>
+        <p:spPr>
+          <a:xfrm>
+            <a:off x="1575758" y="3113714"/>
+            <a:ext cx="699230" cy="461665"/>
+          </a:xfrm>
+          <a:prstGeom prst="rect">
+            <a:avLst/>
+          </a:prstGeom>
+          <a:noFill/>
+        </p:spPr>
+        <p:txBody>
+          <a:bodyPr wrap="none" rtlCol="0">
+            <a:spAutoFit/>
+          </a:bodyPr>
+          <a:lstStyle/>
+          <a:p>
+            <a:r>
+              <a:rPr lang="en-US" dirty="0" smtClean="0"/>
+              <a:t>256	</a:t>
+            </a:r>
+            <a:endParaRPr lang="en-US" dirty="0"/>
+          </a:p>
+        </p:txBody>
+      </p:sp>
+      <p:sp>
+        <p:nvSpPr>
+          <p:cNvPr id="23" name="TextBox 22"/>
+          <p:cNvSpPr txBox="1"/>
+          <p:nvPr/>
+        </p:nvSpPr>
+        <p:spPr>
+          <a:xfrm>
+            <a:off x="3015254" y="2182535"/>
+            <a:ext cx="784189" cy="461665"/>
+          </a:xfrm>
+          <a:prstGeom prst="rect">
+            <a:avLst/>
+          </a:prstGeom>
+          <a:noFill/>
+        </p:spPr>
+        <p:txBody>
+          <a:bodyPr wrap="none" rtlCol="0">
+            <a:spAutoFit/>
+          </a:bodyPr>
+          <a:lstStyle/>
+          <a:p>
+            <a:r>
+              <a:rPr lang="en-US" dirty="0" smtClean="0"/>
+              <a:t>23.8</a:t>
+            </a:r>
+            <a:endParaRPr lang="en-US" dirty="0"/>
+          </a:p>
+        </p:txBody>
+      </p:sp>
+      <p:sp>
+        <p:nvSpPr>
+          <p:cNvPr id="24" name="TextBox 23"/>
+          <p:cNvSpPr txBox="1"/>
+          <p:nvPr/>
+        </p:nvSpPr>
+        <p:spPr>
+          <a:xfrm>
+            <a:off x="4350503" y="2183933"/>
+            <a:ext cx="784189" cy="461665"/>
+          </a:xfrm>
+          <a:prstGeom prst="rect">
+            <a:avLst/>
+          </a:prstGeom>
+          <a:noFill/>
+        </p:spPr>
+        <p:txBody>
+          <a:bodyPr wrap="none" rtlCol="0">
+            <a:spAutoFit/>
+          </a:bodyPr>
+          <a:lstStyle/>
+          <a:p>
+            <a:r>
+              <a:rPr lang="en-US" dirty="0" smtClean="0"/>
+              <a:t>34.6</a:t>
+            </a:r>
+            <a:endParaRPr lang="en-US" dirty="0"/>
+          </a:p>
+        </p:txBody>
+      </p:sp>
+      <p:sp>
+        <p:nvSpPr>
+          <p:cNvPr id="25" name="TextBox 24"/>
+          <p:cNvSpPr txBox="1"/>
+          <p:nvPr/>
+        </p:nvSpPr>
+        <p:spPr>
+          <a:xfrm>
+            <a:off x="5949552" y="2185331"/>
+            <a:ext cx="612668" cy="461665"/>
+          </a:xfrm>
+          <a:prstGeom prst="rect">
+            <a:avLst/>
+          </a:prstGeom>
+          <a:noFill/>
+        </p:spPr>
+        <p:txBody>
+          <a:bodyPr wrap="none" rtlCol="0">
+            <a:spAutoFit/>
+          </a:bodyPr>
+          <a:lstStyle/>
+          <a:p>
+            <a:r>
+              <a:rPr lang="en-US" dirty="0" smtClean="0"/>
+              <a:t>4.1</a:t>
+            </a:r>
+            <a:endParaRPr lang="en-US" dirty="0"/>
+          </a:p>
+        </p:txBody>
+      </p:sp>
+      <p:sp>
+        <p:nvSpPr>
+          <p:cNvPr id="26" name="TextBox 25"/>
+          <p:cNvSpPr txBox="1"/>
+          <p:nvPr/>
+        </p:nvSpPr>
+        <p:spPr>
+          <a:xfrm>
+            <a:off x="2945798" y="3131890"/>
+            <a:ext cx="955711" cy="461665"/>
+          </a:xfrm>
+          <a:prstGeom prst="rect">
+            <a:avLst/>
+          </a:prstGeom>
+          <a:noFill/>
+        </p:spPr>
+        <p:txBody>
+          <a:bodyPr wrap="none" rtlCol="0">
+            <a:spAutoFit/>
+          </a:bodyPr>
+          <a:lstStyle/>
+          <a:p>
+            <a:r>
+              <a:rPr lang="en-US" dirty="0" smtClean="0"/>
+              <a:t>125.8</a:t>
+            </a:r>
+            <a:endParaRPr lang="en-US" dirty="0"/>
+          </a:p>
+        </p:txBody>
+      </p:sp>
+      <p:sp>
+        <p:nvSpPr>
+          <p:cNvPr id="27" name="TextBox 26"/>
+          <p:cNvSpPr txBox="1"/>
+          <p:nvPr/>
+        </p:nvSpPr>
+        <p:spPr>
+          <a:xfrm>
+            <a:off x="4281047" y="3133288"/>
+            <a:ext cx="955711" cy="461665"/>
+          </a:xfrm>
+          <a:prstGeom prst="rect">
+            <a:avLst/>
+          </a:prstGeom>
+          <a:noFill/>
+        </p:spPr>
+        <p:txBody>
+          <a:bodyPr wrap="none" rtlCol="0">
+            <a:spAutoFit/>
+          </a:bodyPr>
+          <a:lstStyle/>
+          <a:p>
+            <a:r>
+              <a:rPr lang="en-US" dirty="0" smtClean="0"/>
+              <a:t>184.4</a:t>
+            </a:r>
+            <a:endParaRPr lang="en-US" dirty="0"/>
+          </a:p>
+        </p:txBody>
+      </p:sp>
+      <p:sp>
+        <p:nvSpPr>
+          <p:cNvPr id="28" name="TextBox 27"/>
+          <p:cNvSpPr txBox="1"/>
+          <p:nvPr/>
+        </p:nvSpPr>
+        <p:spPr>
+          <a:xfrm>
+            <a:off x="5896875" y="3134686"/>
+            <a:ext cx="784189" cy="461665"/>
+          </a:xfrm>
+          <a:prstGeom prst="rect">
+            <a:avLst/>
+          </a:prstGeom>
+          <a:noFill/>
+        </p:spPr>
+        <p:txBody>
+          <a:bodyPr wrap="none" rtlCol="0">
+            <a:spAutoFit/>
+          </a:bodyPr>
+          <a:lstStyle/>
+          <a:p>
+            <a:r>
+              <a:rPr lang="en-US" dirty="0" smtClean="0"/>
+              <a:t>21.2</a:t>
+            </a:r>
+            <a:endParaRPr lang="en-US" dirty="0"/>
+          </a:p>
+        </p:txBody>
+      </p:sp>
+      <p:cxnSp>
+        <p:nvCxnSpPr>
+          <p:cNvPr id="30" name="Straight Connector 29"/>
+          <p:cNvCxnSpPr/>
+          <p:nvPr/>
+        </p:nvCxnSpPr>
+        <p:spPr bwMode="auto">
+          <a:xfrm>
+            <a:off x="932576" y="3801612"/>
+            <a:ext cx="7315200" cy="16778"/>
+          </a:xfrm>
+          <a:prstGeom prst="line">
+            <a:avLst/>
+          </a:prstGeom>
+          <a:solidFill>
+            <a:schemeClr val="accent1"/>
+          </a:solidFill>
+          <a:ln w="9525" cap="flat" cmpd="sng" algn="ctr">
+            <a:solidFill>
+              <a:schemeClr val="tx1"/>
+            </a:solidFill>
+            <a:prstDash val="solid"/>
+            <a:round/>
+            <a:headEnd type="none" w="med" len="med"/>
+            <a:tailEnd type="none" w="med" len="med"/>
+          </a:ln>
+          <a:effectLst/>
+        </p:spPr>
+      </p:cxnSp>
+      <p:sp>
+        <p:nvSpPr>
+          <p:cNvPr id="35" name="TextBox 34"/>
+          <p:cNvSpPr txBox="1"/>
+          <p:nvPr/>
+        </p:nvSpPr>
+        <p:spPr>
+          <a:xfrm>
+            <a:off x="1405635" y="4079847"/>
+            <a:ext cx="870751" cy="461665"/>
+          </a:xfrm>
+          <a:prstGeom prst="rect">
+            <a:avLst/>
+          </a:prstGeom>
+          <a:noFill/>
+        </p:spPr>
+        <p:txBody>
+          <a:bodyPr wrap="none" rtlCol="0">
+            <a:spAutoFit/>
+          </a:bodyPr>
+          <a:lstStyle/>
+          <a:p>
+            <a:r>
+              <a:rPr lang="en-US" dirty="0" smtClean="0"/>
+              <a:t>1024</a:t>
+            </a:r>
+            <a:endParaRPr lang="en-US" dirty="0"/>
+          </a:p>
+        </p:txBody>
+      </p:sp>
+      <p:sp>
+        <p:nvSpPr>
+          <p:cNvPr id="36" name="TextBox 35"/>
+          <p:cNvSpPr txBox="1"/>
+          <p:nvPr/>
+        </p:nvSpPr>
+        <p:spPr>
+          <a:xfrm>
+            <a:off x="2947196" y="4098023"/>
+            <a:ext cx="955711" cy="461665"/>
+          </a:xfrm>
+          <a:prstGeom prst="rect">
+            <a:avLst/>
+          </a:prstGeom>
+          <a:noFill/>
+        </p:spPr>
+        <p:txBody>
+          <a:bodyPr wrap="none" rtlCol="0">
+            <a:spAutoFit/>
+          </a:bodyPr>
+          <a:lstStyle/>
+          <a:p>
+            <a:r>
+              <a:rPr lang="en-US" dirty="0" smtClean="0"/>
+              <a:t>503.2</a:t>
+            </a:r>
+            <a:endParaRPr lang="en-US" dirty="0"/>
+          </a:p>
+        </p:txBody>
+      </p:sp>
+      <p:sp>
+        <p:nvSpPr>
+          <p:cNvPr id="37" name="TextBox 36"/>
+          <p:cNvSpPr txBox="1"/>
+          <p:nvPr/>
+        </p:nvSpPr>
+        <p:spPr>
+          <a:xfrm>
+            <a:off x="4282445" y="4099421"/>
+            <a:ext cx="955711" cy="461665"/>
+          </a:xfrm>
+          <a:prstGeom prst="rect">
+            <a:avLst/>
+          </a:prstGeom>
+          <a:noFill/>
+        </p:spPr>
+        <p:txBody>
+          <a:bodyPr wrap="none" rtlCol="0">
+            <a:spAutoFit/>
+          </a:bodyPr>
+          <a:lstStyle/>
+          <a:p>
+            <a:r>
+              <a:rPr lang="en-US" dirty="0" smtClean="0"/>
+              <a:t>737.4</a:t>
+            </a:r>
+            <a:endParaRPr lang="en-US" dirty="0"/>
+          </a:p>
+        </p:txBody>
+      </p:sp>
+      <p:sp>
+        <p:nvSpPr>
+          <p:cNvPr id="38" name="TextBox 37"/>
+          <p:cNvSpPr txBox="1"/>
+          <p:nvPr/>
+        </p:nvSpPr>
+        <p:spPr>
+          <a:xfrm>
+            <a:off x="6017699" y="4117597"/>
+            <a:ext cx="287258" cy="461665"/>
+          </a:xfrm>
+          <a:prstGeom prst="rect">
+            <a:avLst/>
+          </a:prstGeom>
+          <a:noFill/>
+        </p:spPr>
+        <p:txBody>
+          <a:bodyPr wrap="none" rtlCol="0">
+            <a:spAutoFit/>
+          </a:bodyPr>
+          <a:lstStyle/>
+          <a:p>
+            <a:r>
+              <a:rPr lang="en-US" dirty="0" smtClean="0"/>
+              <a:t>-</a:t>
+            </a:r>
+            <a:endParaRPr lang="en-US" dirty="0"/>
+          </a:p>
+        </p:txBody>
+      </p:sp>
+    </p:spTree>
+  </p:cSld>
+  <p:clrMapOvr>
+    <a:masterClrMapping/>
+  </p:clrMapOvr>
+</p:sld>
+</file>
+
+<file path=ppt/slides/slide37.xml><?xml version="1.0" encoding="utf-8"?>
+<p:sld xmlns:a="http://schemas.openxmlformats.org/drawingml/2006/main" xmlns:r="http://schemas.openxmlformats.org/officeDocument/2006/relationships" xmlns:p="http://schemas.openxmlformats.org/presentationml/2006/main">
+  <p:cSld>
+    <p:spTree>
+      <p:nvGrpSpPr>
+        <p:cNvPr id="1" name=""/>
+        <p:cNvGrpSpPr/>
+        <p:nvPr/>
+      </p:nvGrpSpPr>
+      <p:grpSpPr>
+        <a:xfrm>
+          <a:off x="0" y="0"/>
+          <a:ext cx="0" cy="0"/>
+          <a:chOff x="0" y="0"/>
+          <a:chExt cx="0" cy="0"/>
+        </a:xfrm>
+      </p:grpSpPr>
+      <p:sp>
+        <p:nvSpPr>
+          <p:cNvPr id="2" name="Title 1"/>
+          <p:cNvSpPr>
+            <a:spLocks noGrp="1"/>
+          </p:cNvSpPr>
+          <p:nvPr>
+            <p:ph type="title"/>
+          </p:nvPr>
+        </p:nvSpPr>
+        <p:spPr/>
+        <p:txBody>
+          <a:bodyPr/>
+          <a:lstStyle/>
+          <a:p>
+            <a:r>
+              <a:rPr lang="en-US" dirty="0" smtClean="0"/>
+              <a:t>IPC TRANSPORT PROS/CONS</a:t>
+            </a:r>
+            <a:endParaRPr lang="en-US" dirty="0"/>
+          </a:p>
+        </p:txBody>
+      </p:sp>
+      <p:graphicFrame>
+        <p:nvGraphicFramePr>
+          <p:cNvPr id="3" name="Table 2"/>
+          <p:cNvGraphicFramePr>
+            <a:graphicFrameLocks noGrp="1"/>
+          </p:cNvGraphicFramePr>
+          <p:nvPr/>
+        </p:nvGraphicFramePr>
+        <p:xfrm>
+          <a:off x="483765" y="960771"/>
+          <a:ext cx="8249175" cy="5115180"/>
+        </p:xfrm>
+        <a:graphic>
+          <a:graphicData uri="http://schemas.openxmlformats.org/drawingml/2006/table">
+            <a:tbl>
+              <a:tblPr firstRow="1" firstCol="1" bandRow="1">
+                <a:tableStyleId>{21E4AEA4-8DFA-4A89-87EB-49C32662AFE0}</a:tableStyleId>
+              </a:tblPr>
+              <a:tblGrid>
+                <a:gridCol w="1110143"/>
+                <a:gridCol w="3129094"/>
+                <a:gridCol w="4009938"/>
+              </a:tblGrid>
+              <a:tr h="347912">
+                <a:tc>
+                  <a:txBody>
+                    <a:bodyPr/>
+                    <a:lstStyle/>
+                    <a:p>
+                      <a:endParaRPr lang="en-US" dirty="0"/>
+                    </a:p>
+                  </a:txBody>
+                  <a:tcPr/>
+                </a:tc>
+                <a:tc>
+                  <a:txBody>
+                    <a:bodyPr/>
+                    <a:lstStyle/>
+                    <a:p>
+                      <a:r>
+                        <a:rPr lang="en-US" dirty="0" smtClean="0"/>
+                        <a:t>PROS</a:t>
+                      </a:r>
+                      <a:endParaRPr lang="en-US" dirty="0"/>
+                    </a:p>
+                  </a:txBody>
+                  <a:tcPr/>
+                </a:tc>
+                <a:tc>
+                  <a:txBody>
+                    <a:bodyPr/>
+                    <a:lstStyle/>
+                    <a:p>
+                      <a:r>
+                        <a:rPr lang="en-US" dirty="0" smtClean="0"/>
+                        <a:t>CONS</a:t>
+                      </a:r>
+                      <a:endParaRPr lang="en-US" dirty="0"/>
+                    </a:p>
+                  </a:txBody>
+                  <a:tcPr/>
+                </a:tc>
+              </a:tr>
+              <a:tr h="1104927">
+                <a:tc>
+                  <a:txBody>
+                    <a:bodyPr/>
+                    <a:lstStyle/>
+                    <a:p>
+                      <a:pPr algn="ctr"/>
+                      <a:r>
+                        <a:rPr lang="en-US" dirty="0" smtClean="0"/>
+                        <a:t>Shared</a:t>
+                      </a:r>
+                    </a:p>
+                    <a:p>
+                      <a:pPr algn="ctr"/>
+                      <a:r>
+                        <a:rPr lang="en-US" dirty="0" smtClean="0"/>
+                        <a:t>Memory</a:t>
+                      </a:r>
+                      <a:endParaRPr lang="en-US" dirty="0"/>
+                    </a:p>
+                  </a:txBody>
+                  <a:tcPr anchor="ctr"/>
+                </a:tc>
+                <a:tc>
+                  <a:txBody>
+                    <a:bodyPr/>
+                    <a:lstStyle/>
+                    <a:p>
+                      <a:pPr>
+                        <a:buFont typeface="Arial" pitchFamily="34" charset="0"/>
+                        <a:buChar char="•"/>
+                      </a:pPr>
+                      <a:r>
+                        <a:rPr lang="en-US" sz="1800" dirty="0" smtClean="0"/>
+                        <a:t> Simplest to Implement</a:t>
+                      </a:r>
+                    </a:p>
+                    <a:p>
+                      <a:pPr>
+                        <a:buFont typeface="Arial" pitchFamily="34" charset="0"/>
+                        <a:buChar char="•"/>
+                      </a:pPr>
+                      <a:r>
+                        <a:rPr lang="en-US" sz="1800" dirty="0" smtClean="0"/>
+                        <a:t> Moderate</a:t>
+                      </a:r>
+                      <a:r>
+                        <a:rPr lang="en-US" sz="1800" baseline="0" dirty="0" smtClean="0"/>
+                        <a:t> Throughput</a:t>
+                      </a:r>
+                      <a:endParaRPr lang="en-US" sz="1800" dirty="0" smtClean="0"/>
+                    </a:p>
+                    <a:p>
+                      <a:endParaRPr lang="en-US" dirty="0"/>
+                    </a:p>
+                  </a:txBody>
+                  <a:tcPr/>
+                </a:tc>
+                <a:tc>
+                  <a:txBody>
+                    <a:bodyPr/>
+                    <a:lstStyle/>
+                    <a:p>
+                      <a:pPr>
+                        <a:buFont typeface="Arial" pitchFamily="34" charset="0"/>
+                        <a:buChar char="•"/>
+                      </a:pPr>
+                      <a:r>
+                        <a:rPr lang="en-US" sz="1800" dirty="0" smtClean="0"/>
+                        <a:t> Single</a:t>
+                      </a:r>
+                      <a:r>
+                        <a:rPr lang="en-US" sz="1800" baseline="0" dirty="0" smtClean="0"/>
+                        <a:t> Device Only</a:t>
+                      </a:r>
+                    </a:p>
+                    <a:p>
+                      <a:pPr>
+                        <a:buFont typeface="Arial" pitchFamily="34" charset="0"/>
+                        <a:buChar char="•"/>
+                      </a:pPr>
+                      <a:r>
+                        <a:rPr lang="en-US" sz="1800" baseline="0" dirty="0" smtClean="0"/>
+                        <a:t> Requires Notify module and API call if doorbell required</a:t>
+                      </a:r>
+                    </a:p>
+                    <a:p>
+                      <a:pPr>
+                        <a:buFont typeface="Arial" pitchFamily="34" charset="0"/>
+                        <a:buChar char="•"/>
+                      </a:pPr>
+                      <a:r>
+                        <a:rPr lang="en-US" sz="1800" baseline="0" dirty="0" smtClean="0"/>
+                        <a:t>Possible contention with other tasks using the same shared memory.</a:t>
+                      </a:r>
+                      <a:endParaRPr lang="en-US" sz="1800" dirty="0" smtClean="0"/>
+                    </a:p>
+                    <a:p>
+                      <a:endParaRPr lang="en-US" dirty="0"/>
+                    </a:p>
+                  </a:txBody>
+                  <a:tcPr/>
+                </a:tc>
+              </a:tr>
+              <a:tr h="1907133">
+                <a:tc>
+                  <a:txBody>
+                    <a:bodyPr/>
+                    <a:lstStyle/>
+                    <a:p>
+                      <a:pPr algn="ctr"/>
+                      <a:r>
+                        <a:rPr lang="en-US" dirty="0" smtClean="0"/>
+                        <a:t>Multicore</a:t>
+                      </a:r>
+                    </a:p>
+                    <a:p>
+                      <a:pPr algn="ctr"/>
+                      <a:r>
+                        <a:rPr lang="en-US" dirty="0" smtClean="0"/>
+                        <a:t>Navigator</a:t>
+                      </a:r>
+                      <a:endParaRPr lang="en-US" dirty="0"/>
+                    </a:p>
+                  </a:txBody>
+                  <a:tcPr anchor="ctr"/>
+                </a:tc>
+                <a:tc>
+                  <a:txBody>
+                    <a:bodyPr/>
+                    <a:lstStyle/>
+                    <a:p>
+                      <a:pPr>
+                        <a:buFont typeface="Arial" pitchFamily="34" charset="0"/>
+                        <a:buChar char="•"/>
+                      </a:pPr>
+                      <a:r>
+                        <a:rPr lang="en-US" sz="1800" dirty="0" smtClean="0"/>
+                        <a:t> Highest Throughput</a:t>
+                      </a:r>
+                    </a:p>
+                    <a:p>
+                      <a:pPr>
+                        <a:buFont typeface="Arial" pitchFamily="34" charset="0"/>
+                        <a:buChar char="•"/>
+                      </a:pPr>
+                      <a:r>
+                        <a:rPr lang="en-US" sz="1800" dirty="0" smtClean="0"/>
+                        <a:t> Dedicated resources</a:t>
+                      </a:r>
+                    </a:p>
+                    <a:p>
+                      <a:pPr>
+                        <a:buFont typeface="Arial" pitchFamily="34" charset="0"/>
+                        <a:buChar char="•"/>
+                      </a:pPr>
+                      <a:r>
+                        <a:rPr lang="en-US" sz="1800" dirty="0" smtClean="0"/>
+                        <a:t> Consumes</a:t>
+                      </a:r>
+                      <a:r>
+                        <a:rPr lang="en-US" sz="1800" baseline="0" dirty="0" smtClean="0"/>
+                        <a:t> least CPU cycles</a:t>
+                      </a:r>
+                    </a:p>
+                    <a:p>
+                      <a:pPr>
+                        <a:buFont typeface="Arial" pitchFamily="34" charset="0"/>
+                        <a:buChar char="•"/>
+                      </a:pPr>
+                      <a:r>
+                        <a:rPr lang="en-US" sz="1800" baseline="0" dirty="0" smtClean="0"/>
+                        <a:t>Interrupt generated when data is available</a:t>
+                      </a:r>
+                      <a:endParaRPr lang="en-US" sz="1800" dirty="0"/>
+                    </a:p>
+                  </a:txBody>
+                  <a:tcPr/>
+                </a:tc>
+                <a:tc>
+                  <a:txBody>
+                    <a:bodyPr/>
+                    <a:lstStyle/>
+                    <a:p>
+                      <a:pPr>
+                        <a:buFont typeface="Arial" pitchFamily="34" charset="0"/>
+                        <a:buChar char="•"/>
+                      </a:pPr>
+                      <a:r>
+                        <a:rPr lang="en-US" dirty="0" smtClean="0"/>
+                        <a:t> Single Device Only</a:t>
+                      </a:r>
+                      <a:endParaRPr lang="en-US" dirty="0"/>
+                    </a:p>
+                  </a:txBody>
+                  <a:tcPr/>
+                </a:tc>
+              </a:tr>
+              <a:tr h="1104927">
+                <a:tc>
+                  <a:txBody>
+                    <a:bodyPr/>
+                    <a:lstStyle/>
+                    <a:p>
+                      <a:pPr algn="ctr"/>
+                      <a:r>
+                        <a:rPr lang="en-US" dirty="0" smtClean="0"/>
+                        <a:t>SRIO</a:t>
+                      </a:r>
+                      <a:endParaRPr lang="en-US" dirty="0"/>
+                    </a:p>
+                  </a:txBody>
+                  <a:tcPr anchor="ctr"/>
+                </a:tc>
+                <a:tc>
+                  <a:txBody>
+                    <a:bodyPr/>
+                    <a:lstStyle/>
+                    <a:p>
+                      <a:pPr>
+                        <a:buFont typeface="Arial" pitchFamily="34" charset="0"/>
+                        <a:buChar char="•"/>
+                      </a:pPr>
+                      <a:r>
+                        <a:rPr lang="en-US" dirty="0" smtClean="0"/>
+                        <a:t>Can</a:t>
+                      </a:r>
+                      <a:r>
+                        <a:rPr lang="en-US" baseline="0" dirty="0" smtClean="0"/>
+                        <a:t> be used across devices</a:t>
+                      </a:r>
+                      <a:endParaRPr lang="en-US" dirty="0"/>
+                    </a:p>
+                  </a:txBody>
+                  <a:tcPr/>
+                </a:tc>
+                <a:tc>
+                  <a:txBody>
+                    <a:bodyPr/>
+                    <a:lstStyle/>
+                    <a:p>
+                      <a:pPr>
+                        <a:buFont typeface="Arial" pitchFamily="34" charset="0"/>
+                        <a:buChar char="•"/>
+                      </a:pPr>
+                      <a:r>
+                        <a:rPr lang="en-US" baseline="0" dirty="0" smtClean="0"/>
+                        <a:t> Lowest Throughput</a:t>
+                      </a:r>
+                      <a:endParaRPr lang="en-US" dirty="0"/>
+                    </a:p>
+                  </a:txBody>
+                  <a:tcPr/>
+                </a:tc>
+              </a:tr>
+            </a:tbl>
+          </a:graphicData>
+        </a:graphic>
+      </p:graphicFrame>
+    </p:spTree>
+  </p:cSld>
+  <p:clrMapOvr>
+    <a:masterClrMapping/>
+  </p:clrMapOvr>
+</p:sld>
+</file>
+
+<file path=ppt/slides/slide38.xml><?xml version="1.0" encoding="utf-8"?>
+<p:sld xmlns:a="http://schemas.openxmlformats.org/drawingml/2006/main" xmlns:r="http://schemas.openxmlformats.org/officeDocument/2006/relationships" xmlns:p="http://schemas.openxmlformats.org/presentationml/2006/main">
+  <p:cSld>
+    <p:spTree>
+      <p:nvGrpSpPr>
+        <p:cNvPr id="1" name=""/>
+        <p:cNvGrpSpPr/>
+        <p:nvPr/>
+      </p:nvGrpSpPr>
+      <p:grpSpPr>
+        <a:xfrm>
+          <a:off x="0" y="0"/>
+          <a:ext cx="0" cy="0"/>
+          <a:chOff x="0" y="0"/>
+          <a:chExt cx="0" cy="0"/>
+        </a:xfrm>
+      </p:grpSpPr>
+      <p:sp>
+        <p:nvSpPr>
           <p:cNvPr id="48130" name="Title 3"/>
           <p:cNvSpPr>
             <a:spLocks noGrp="1"/>
@@ -29530,7 +32537,6 @@
               <a:rPr lang="en-US" dirty="0" smtClean="0"/>
               <a:t>Lab/Demo</a:t>
             </a:r>
-            <a:endParaRPr lang="en-US" dirty="0" smtClean="0"/>
           </a:p>
         </p:txBody>
       </p:sp>
@@ -29562,7 +32568,6 @@
               <a:rPr lang="en-US" dirty="0" smtClean="0"/>
               <a:t>Basic Concepts </a:t>
             </a:r>
-            <a:endParaRPr lang="en-US" dirty="0" smtClean="0"/>
           </a:p>
           <a:p>
             <a:pPr eaLnBrk="1" hangingPunct="1"/>
@@ -29584,7 +32589,6 @@
               <a:rPr lang="en-US" dirty="0" smtClean="0"/>
               <a:t>IPC Transports</a:t>
             </a:r>
-            <a:endParaRPr lang="en-US" dirty="0" smtClean="0"/>
           </a:p>
           <a:p>
             <a:pPr eaLnBrk="1" hangingPunct="1"/>
@@ -29592,7 +32596,6 @@
               <a:rPr lang="en-US" b="1" dirty="0" smtClean="0"/>
               <a:t>Lab or Demo</a:t>
             </a:r>
-            <a:endParaRPr lang="en-US" b="1" dirty="0" smtClean="0"/>
           </a:p>
         </p:txBody>
       </p:sp>
@@ -29614,7 +32617,7 @@
 </p:sld>
 </file>
 
-<file path=ppt/slides/slide37.xml><?xml version="1.0" encoding="utf-8"?>
+<file path=ppt/slides/slide39.xml><?xml version="1.0" encoding="utf-8"?>
 <p:sld xmlns:a="http://schemas.openxmlformats.org/drawingml/2006/main" xmlns:r="http://schemas.openxmlformats.org/officeDocument/2006/relationships" xmlns:p="http://schemas.openxmlformats.org/presentationml/2006/main">
   <p:cSld>
     <p:spTree>
@@ -35199,7 +38202,6 @@
               <a:rPr lang="en-US" dirty="0" smtClean="0"/>
               <a:t>IPC Services</a:t>
             </a:r>
-            <a:endParaRPr lang="en-US" dirty="0" smtClean="0"/>
           </a:p>
         </p:txBody>
       </p:sp>
@@ -35231,7 +38233,6 @@
               <a:rPr lang="en-US" dirty="0" smtClean="0"/>
               <a:t>Basic Concepts </a:t>
             </a:r>
-            <a:endParaRPr lang="en-US" dirty="0" smtClean="0"/>
           </a:p>
           <a:p>
             <a:pPr eaLnBrk="1" hangingPunct="1"/>
@@ -35267,7 +38268,6 @@
               <a:rPr lang="en-US" dirty="0" smtClean="0"/>
               <a:t>Support Utilities</a:t>
             </a:r>
-            <a:endParaRPr lang="en-US" dirty="0" smtClean="0"/>
           </a:p>
           <a:p>
             <a:pPr eaLnBrk="1" hangingPunct="1"/>
@@ -35282,7 +38282,6 @@
               <a:rPr lang="en-US" dirty="0" smtClean="0"/>
               <a:t>IPC Transports</a:t>
             </a:r>
-            <a:endParaRPr lang="en-US" dirty="0" smtClean="0"/>
           </a:p>
           <a:p>
             <a:pPr eaLnBrk="1" hangingPunct="1"/>
@@ -35290,7 +38289,6 @@
               <a:rPr lang="en-US" dirty="0" smtClean="0"/>
               <a:t>Lab or Demo</a:t>
             </a:r>
-            <a:endParaRPr lang="en-US" dirty="0" smtClean="0"/>
           </a:p>
         </p:txBody>
       </p:sp>
